--- a/pipelineOverview.pptx
+++ b/pipelineOverview.pptx
@@ -5,15 +5,14 @@
     <p:sldMasterId id="2147483648" r:id="rId1"/>
   </p:sldMasterIdLst>
   <p:notesMasterIdLst>
-    <p:notesMasterId r:id="rId8"/>
+    <p:notesMasterId r:id="rId7"/>
   </p:notesMasterIdLst>
   <p:sldIdLst>
     <p:sldId id="258" r:id="rId2"/>
-    <p:sldId id="263" r:id="rId3"/>
-    <p:sldId id="259" r:id="rId4"/>
-    <p:sldId id="260" r:id="rId5"/>
-    <p:sldId id="261" r:id="rId6"/>
-    <p:sldId id="262" r:id="rId7"/>
+    <p:sldId id="259" r:id="rId3"/>
+    <p:sldId id="260" r:id="rId4"/>
+    <p:sldId id="261" r:id="rId5"/>
+    <p:sldId id="262" r:id="rId6"/>
   </p:sldIdLst>
   <p:sldSz cx="12192000" cy="6858000"/>
   <p:notesSz cx="6858000" cy="9144000"/>
@@ -202,7 +201,7 @@
           <a:p>
             <a:fld id="{4975310D-9CBC-754A-B6AE-745F0E21FB8B}" type="datetimeFigureOut">
               <a:rPr lang="en-GB" smtClean="0"/>
-              <a:t>22/04/2022</a:t>
+              <a:t>06/07/2022</a:t>
             </a:fld>
             <a:endParaRPr lang="en-GB"/>
           </a:p>
@@ -513,7 +512,7 @@
           <a:bodyPr/>
           <a:lstStyle/>
           <a:p>
-            <a:endParaRPr lang="en-GB" dirty="0"/>
+            <a:endParaRPr lang="en-GB"/>
           </a:p>
         </p:txBody>
       </p:sp>
@@ -534,91 +533,7 @@
           <a:p>
             <a:fld id="{EA2FAED5-7062-E74C-8EBB-E3A74F445D34}" type="slidenum">
               <a:rPr lang="en-GB" smtClean="0"/>
-              <a:t>2</a:t>
-            </a:fld>
-            <a:endParaRPr lang="en-GB"/>
-          </a:p>
-        </p:txBody>
-      </p:sp>
-    </p:spTree>
-    <p:extLst>
-      <p:ext uri="{BB962C8B-B14F-4D97-AF65-F5344CB8AC3E}">
-        <p14:creationId xmlns:p14="http://schemas.microsoft.com/office/powerpoint/2010/main" val="623753852"/>
-      </p:ext>
-    </p:extLst>
-  </p:cSld>
-  <p:clrMapOvr>
-    <a:masterClrMapping/>
-  </p:clrMapOvr>
-</p:notes>
-</file>
-
-<file path=ppt/notesSlides/notesSlide2.xml><?xml version="1.0" encoding="utf-8"?>
-<p:notes xmlns:a="http://schemas.openxmlformats.org/drawingml/2006/main" xmlns:r="http://schemas.openxmlformats.org/officeDocument/2006/relationships" xmlns:p="http://schemas.openxmlformats.org/presentationml/2006/main">
-  <p:cSld>
-    <p:spTree>
-      <p:nvGrpSpPr>
-        <p:cNvPr id="1" name=""/>
-        <p:cNvGrpSpPr/>
-        <p:nvPr/>
-      </p:nvGrpSpPr>
-      <p:grpSpPr>
-        <a:xfrm>
-          <a:off x="0" y="0"/>
-          <a:ext cx="0" cy="0"/>
-          <a:chOff x="0" y="0"/>
-          <a:chExt cx="0" cy="0"/>
-        </a:xfrm>
-      </p:grpSpPr>
-      <p:sp>
-        <p:nvSpPr>
-          <p:cNvPr id="2" name="Slide Image Placeholder 1"/>
-          <p:cNvSpPr>
-            <a:spLocks noGrp="1" noRot="1" noChangeAspect="1"/>
-          </p:cNvSpPr>
-          <p:nvPr>
-            <p:ph type="sldImg"/>
-          </p:nvPr>
-        </p:nvSpPr>
-        <p:spPr/>
-      </p:sp>
-      <p:sp>
-        <p:nvSpPr>
-          <p:cNvPr id="3" name="Notes Placeholder 2"/>
-          <p:cNvSpPr>
-            <a:spLocks noGrp="1"/>
-          </p:cNvSpPr>
-          <p:nvPr>
-            <p:ph type="body" idx="1"/>
-          </p:nvPr>
-        </p:nvSpPr>
-        <p:spPr/>
-        <p:txBody>
-          <a:bodyPr/>
-          <a:lstStyle/>
-          <a:p>
-            <a:endParaRPr lang="en-GB"/>
-          </a:p>
-        </p:txBody>
-      </p:sp>
-      <p:sp>
-        <p:nvSpPr>
-          <p:cNvPr id="4" name="Slide Number Placeholder 3"/>
-          <p:cNvSpPr>
-            <a:spLocks noGrp="1"/>
-          </p:cNvSpPr>
-          <p:nvPr>
-            <p:ph type="sldNum" sz="quarter" idx="5"/>
-          </p:nvPr>
-        </p:nvSpPr>
-        <p:spPr/>
-        <p:txBody>
-          <a:bodyPr/>
-          <a:lstStyle/>
-          <a:p>
-            <a:fld id="{EA2FAED5-7062-E74C-8EBB-E3A74F445D34}" type="slidenum">
-              <a:rPr lang="en-GB" smtClean="0"/>
-              <a:t>5</a:t>
+              <a:t>4</a:t>
             </a:fld>
             <a:endParaRPr lang="en-GB"/>
           </a:p>
@@ -784,7 +699,7 @@
           <a:p>
             <a:fld id="{A4D5C746-D3E2-A04C-963D-63FABD6DF5D5}" type="datetimeFigureOut">
               <a:rPr lang="en-GB" smtClean="0"/>
-              <a:t>22/04/2022</a:t>
+              <a:t>06/07/2022</a:t>
             </a:fld>
             <a:endParaRPr lang="en-GB"/>
           </a:p>
@@ -982,7 +897,7 @@
           <a:p>
             <a:fld id="{A4D5C746-D3E2-A04C-963D-63FABD6DF5D5}" type="datetimeFigureOut">
               <a:rPr lang="en-GB" smtClean="0"/>
-              <a:t>22/04/2022</a:t>
+              <a:t>06/07/2022</a:t>
             </a:fld>
             <a:endParaRPr lang="en-GB"/>
           </a:p>
@@ -1190,7 +1105,7 @@
           <a:p>
             <a:fld id="{A4D5C746-D3E2-A04C-963D-63FABD6DF5D5}" type="datetimeFigureOut">
               <a:rPr lang="en-GB" smtClean="0"/>
-              <a:t>22/04/2022</a:t>
+              <a:t>06/07/2022</a:t>
             </a:fld>
             <a:endParaRPr lang="en-GB"/>
           </a:p>
@@ -1388,7 +1303,7 @@
           <a:p>
             <a:fld id="{A4D5C746-D3E2-A04C-963D-63FABD6DF5D5}" type="datetimeFigureOut">
               <a:rPr lang="en-GB" smtClean="0"/>
-              <a:t>22/04/2022</a:t>
+              <a:t>06/07/2022</a:t>
             </a:fld>
             <a:endParaRPr lang="en-GB"/>
           </a:p>
@@ -1663,7 +1578,7 @@
           <a:p>
             <a:fld id="{A4D5C746-D3E2-A04C-963D-63FABD6DF5D5}" type="datetimeFigureOut">
               <a:rPr lang="en-GB" smtClean="0"/>
-              <a:t>22/04/2022</a:t>
+              <a:t>06/07/2022</a:t>
             </a:fld>
             <a:endParaRPr lang="en-GB"/>
           </a:p>
@@ -1928,7 +1843,7 @@
           <a:p>
             <a:fld id="{A4D5C746-D3E2-A04C-963D-63FABD6DF5D5}" type="datetimeFigureOut">
               <a:rPr lang="en-GB" smtClean="0"/>
-              <a:t>22/04/2022</a:t>
+              <a:t>06/07/2022</a:t>
             </a:fld>
             <a:endParaRPr lang="en-GB"/>
           </a:p>
@@ -2340,7 +2255,7 @@
           <a:p>
             <a:fld id="{A4D5C746-D3E2-A04C-963D-63FABD6DF5D5}" type="datetimeFigureOut">
               <a:rPr lang="en-GB" smtClean="0"/>
-              <a:t>22/04/2022</a:t>
+              <a:t>06/07/2022</a:t>
             </a:fld>
             <a:endParaRPr lang="en-GB"/>
           </a:p>
@@ -2481,7 +2396,7 @@
           <a:p>
             <a:fld id="{A4D5C746-D3E2-A04C-963D-63FABD6DF5D5}" type="datetimeFigureOut">
               <a:rPr lang="en-GB" smtClean="0"/>
-              <a:t>22/04/2022</a:t>
+              <a:t>06/07/2022</a:t>
             </a:fld>
             <a:endParaRPr lang="en-GB"/>
           </a:p>
@@ -2594,7 +2509,7 @@
           <a:p>
             <a:fld id="{A4D5C746-D3E2-A04C-963D-63FABD6DF5D5}" type="datetimeFigureOut">
               <a:rPr lang="en-GB" smtClean="0"/>
-              <a:t>22/04/2022</a:t>
+              <a:t>06/07/2022</a:t>
             </a:fld>
             <a:endParaRPr lang="en-GB"/>
           </a:p>
@@ -2905,7 +2820,7 @@
           <a:p>
             <a:fld id="{A4D5C746-D3E2-A04C-963D-63FABD6DF5D5}" type="datetimeFigureOut">
               <a:rPr lang="en-GB" smtClean="0"/>
-              <a:t>22/04/2022</a:t>
+              <a:t>06/07/2022</a:t>
             </a:fld>
             <a:endParaRPr lang="en-GB"/>
           </a:p>
@@ -3193,7 +3108,7 @@
           <a:p>
             <a:fld id="{A4D5C746-D3E2-A04C-963D-63FABD6DF5D5}" type="datetimeFigureOut">
               <a:rPr lang="en-GB" smtClean="0"/>
-              <a:t>22/04/2022</a:t>
+              <a:t>06/07/2022</a:t>
             </a:fld>
             <a:endParaRPr lang="en-GB"/>
           </a:p>
@@ -3434,7 +3349,7 @@
           <a:p>
             <a:fld id="{A4D5C746-D3E2-A04C-963D-63FABD6DF5D5}" type="datetimeFigureOut">
               <a:rPr lang="en-GB" smtClean="0"/>
-              <a:t>22/04/2022</a:t>
+              <a:t>06/07/2022</a:t>
             </a:fld>
             <a:endParaRPr lang="en-GB"/>
           </a:p>
@@ -6380,7 +6295,7 @@
 </file>
 
 <file path=ppt/slides/slide2.xml><?xml version="1.0" encoding="utf-8"?>
-<p:sld xmlns:a="http://schemas.openxmlformats.org/drawingml/2006/main" xmlns:r="http://schemas.openxmlformats.org/officeDocument/2006/relationships" xmlns:p="http://schemas.openxmlformats.org/presentationml/2006/main" show="0">
+<p:sld xmlns:a="http://schemas.openxmlformats.org/drawingml/2006/main" xmlns:r="http://schemas.openxmlformats.org/officeDocument/2006/relationships" xmlns:p="http://schemas.openxmlformats.org/presentationml/2006/main">
   <p:cSld>
     <p:spTree>
       <p:nvGrpSpPr>
@@ -6396,2529 +6311,311 @@
           <a:chExt cx="0" cy="0"/>
         </a:xfrm>
       </p:grpSpPr>
-      <p:grpSp>
-        <p:nvGrpSpPr>
-          <p:cNvPr id="23" name="Group 22">
-            <a:extLst>
-              <a:ext uri="{FF2B5EF4-FFF2-40B4-BE49-F238E27FC236}">
-                <a16:creationId xmlns:a16="http://schemas.microsoft.com/office/drawing/2014/main" id="{9A324128-15E9-E9FD-D7F2-2C89F71A4383}"/>
-              </a:ext>
-            </a:extLst>
-          </p:cNvPr>
-          <p:cNvGrpSpPr/>
-          <p:nvPr/>
-        </p:nvGrpSpPr>
-        <p:grpSpPr>
+      <p:sp>
+        <p:nvSpPr>
+          <p:cNvPr id="2" name="Title 1">
+            <a:extLst>
+              <a:ext uri="{FF2B5EF4-FFF2-40B4-BE49-F238E27FC236}">
+                <a16:creationId xmlns:a16="http://schemas.microsoft.com/office/drawing/2014/main" id="{30B4714E-E7F2-CB40-AE2F-6E8801EB43C7}"/>
+              </a:ext>
+            </a:extLst>
+          </p:cNvPr>
+          <p:cNvSpPr>
+            <a:spLocks noGrp="1"/>
+          </p:cNvSpPr>
+          <p:nvPr>
+            <p:ph type="title"/>
+          </p:nvPr>
+        </p:nvSpPr>
+        <p:spPr>
           <a:xfrm>
-            <a:off x="1477111" y="480807"/>
-            <a:ext cx="9340702" cy="5926504"/>
-            <a:chOff x="422862" y="613049"/>
-            <a:chExt cx="9340702" cy="5926504"/>
-          </a:xfrm>
-        </p:grpSpPr>
-        <p:sp>
-          <p:nvSpPr>
-            <p:cNvPr id="31" name="Rounded Rectangle 30">
-              <a:extLst>
-                <a:ext uri="{FF2B5EF4-FFF2-40B4-BE49-F238E27FC236}">
-                  <a16:creationId xmlns:a16="http://schemas.microsoft.com/office/drawing/2014/main" id="{A8B86973-E8EA-17CB-7ED2-DF6E3C9DFE9C}"/>
-                </a:ext>
-              </a:extLst>
-            </p:cNvPr>
-            <p:cNvSpPr/>
-            <p:nvPr/>
-          </p:nvSpPr>
-          <p:spPr>
-            <a:xfrm>
-              <a:off x="7192768" y="2730396"/>
-              <a:ext cx="2570796" cy="2855396"/>
-            </a:xfrm>
-            <a:prstGeom prst="roundRect">
-              <a:avLst/>
-            </a:prstGeom>
-            <a:solidFill>
-              <a:schemeClr val="bg2"/>
-            </a:solidFill>
-            <a:ln>
-              <a:solidFill>
-                <a:schemeClr val="tx1"/>
-              </a:solidFill>
-              <a:prstDash val="dash"/>
-            </a:ln>
-          </p:spPr>
-          <p:style>
-            <a:lnRef idx="2">
-              <a:schemeClr val="accent1">
-                <a:shade val="50000"/>
-              </a:schemeClr>
-            </a:lnRef>
-            <a:fillRef idx="1">
-              <a:schemeClr val="accent1"/>
-            </a:fillRef>
-            <a:effectRef idx="0">
-              <a:schemeClr val="accent1"/>
-            </a:effectRef>
-            <a:fontRef idx="minor">
-              <a:schemeClr val="lt1"/>
-            </a:fontRef>
-          </p:style>
-          <p:txBody>
-            <a:bodyPr rtlCol="0" anchor="ctr"/>
-            <a:lstStyle/>
-            <a:p>
-              <a:pPr algn="ctr"/>
-              <a:endParaRPr lang="en-GB"/>
-            </a:p>
-          </p:txBody>
-        </p:sp>
-        <p:sp>
-          <p:nvSpPr>
-            <p:cNvPr id="2" name="Rounded Rectangle 1">
-              <a:extLst>
-                <a:ext uri="{FF2B5EF4-FFF2-40B4-BE49-F238E27FC236}">
-                  <a16:creationId xmlns:a16="http://schemas.microsoft.com/office/drawing/2014/main" id="{BA71AE3B-C04D-B646-9377-7D95DC7FC82E}"/>
-                </a:ext>
-              </a:extLst>
-            </p:cNvPr>
-            <p:cNvSpPr/>
-            <p:nvPr/>
-          </p:nvSpPr>
-          <p:spPr>
-            <a:xfrm>
-              <a:off x="422862" y="3391384"/>
-              <a:ext cx="1468994" cy="676602"/>
-            </a:xfrm>
-            <a:prstGeom prst="roundRect">
-              <a:avLst/>
-            </a:prstGeom>
-            <a:solidFill>
-              <a:schemeClr val="accent1">
-                <a:lumMod val="40000"/>
-                <a:lumOff val="60000"/>
-              </a:schemeClr>
-            </a:solidFill>
-          </p:spPr>
-          <p:style>
-            <a:lnRef idx="2">
-              <a:schemeClr val="accent1">
-                <a:shade val="50000"/>
-              </a:schemeClr>
-            </a:lnRef>
-            <a:fillRef idx="1">
-              <a:schemeClr val="accent1"/>
-            </a:fillRef>
-            <a:effectRef idx="0">
-              <a:schemeClr val="accent1"/>
-            </a:effectRef>
-            <a:fontRef idx="minor">
-              <a:schemeClr val="lt1"/>
-            </a:fontRef>
-          </p:style>
-          <p:txBody>
-            <a:bodyPr rtlCol="0" anchor="ctr"/>
-            <a:lstStyle/>
-            <a:p>
-              <a:pPr algn="ctr"/>
-              <a:r>
-                <a:rPr lang="en-GB" sz="1400" dirty="0">
-                  <a:solidFill>
-                    <a:schemeClr val="accent1">
-                      <a:lumMod val="75000"/>
-                    </a:schemeClr>
-                  </a:solidFill>
-                </a:rPr>
-                <a:t>Create config file per sample</a:t>
-              </a:r>
-            </a:p>
-          </p:txBody>
-        </p:sp>
-        <p:sp>
-          <p:nvSpPr>
-            <p:cNvPr id="3" name="Rounded Rectangle 2">
-              <a:extLst>
-                <a:ext uri="{FF2B5EF4-FFF2-40B4-BE49-F238E27FC236}">
-                  <a16:creationId xmlns:a16="http://schemas.microsoft.com/office/drawing/2014/main" id="{7FB2F07F-2E6E-3E4A-8D45-ABC35E3DF2B5}"/>
-                </a:ext>
-              </a:extLst>
-            </p:cNvPr>
-            <p:cNvSpPr/>
-            <p:nvPr/>
-          </p:nvSpPr>
-          <p:spPr>
-            <a:xfrm>
-              <a:off x="2701129" y="953427"/>
-              <a:ext cx="1723697" cy="676602"/>
-            </a:xfrm>
-            <a:prstGeom prst="roundRect">
-              <a:avLst/>
-            </a:prstGeom>
-            <a:solidFill>
-              <a:schemeClr val="accent2">
-                <a:lumMod val="40000"/>
-                <a:lumOff val="60000"/>
-              </a:schemeClr>
-            </a:solidFill>
-            <a:ln>
-              <a:solidFill>
-                <a:schemeClr val="accent2">
-                  <a:lumMod val="50000"/>
-                </a:schemeClr>
-              </a:solidFill>
-            </a:ln>
-          </p:spPr>
-          <p:style>
-            <a:lnRef idx="2">
-              <a:schemeClr val="accent1">
-                <a:shade val="50000"/>
-              </a:schemeClr>
-            </a:lnRef>
-            <a:fillRef idx="1">
-              <a:schemeClr val="accent1"/>
-            </a:fillRef>
-            <a:effectRef idx="0">
-              <a:schemeClr val="accent1"/>
-            </a:effectRef>
-            <a:fontRef idx="minor">
-              <a:schemeClr val="lt1"/>
-            </a:fontRef>
-          </p:style>
-          <p:txBody>
-            <a:bodyPr rtlCol="0" anchor="ctr"/>
-            <a:lstStyle/>
-            <a:p>
-              <a:pPr algn="ctr"/>
-              <a:r>
-                <a:rPr lang="en-GB" sz="1400" dirty="0">
-                  <a:solidFill>
-                    <a:schemeClr val="accent2">
-                      <a:lumMod val="50000"/>
-                    </a:schemeClr>
-                  </a:solidFill>
-                </a:rPr>
-                <a:t>Clip adapters with </a:t>
-              </a:r>
-              <a:r>
-                <a:rPr lang="en-GB" sz="1400" dirty="0" err="1">
-                  <a:solidFill>
-                    <a:schemeClr val="accent2">
-                      <a:lumMod val="50000"/>
-                    </a:schemeClr>
-                  </a:solidFill>
-                </a:rPr>
-                <a:t>TrimGalore</a:t>
-              </a:r>
-              <a:endParaRPr lang="en-GB" sz="1400" dirty="0">
-                <a:solidFill>
-                  <a:schemeClr val="accent2">
-                    <a:lumMod val="50000"/>
-                  </a:schemeClr>
-                </a:solidFill>
-              </a:endParaRPr>
-            </a:p>
-          </p:txBody>
-        </p:sp>
-        <p:sp>
-          <p:nvSpPr>
-            <p:cNvPr id="4" name="Rounded Rectangle 3">
-              <a:extLst>
-                <a:ext uri="{FF2B5EF4-FFF2-40B4-BE49-F238E27FC236}">
-                  <a16:creationId xmlns:a16="http://schemas.microsoft.com/office/drawing/2014/main" id="{B51313C7-A008-4247-83AA-3D100D623B77}"/>
-                </a:ext>
-              </a:extLst>
-            </p:cNvPr>
-            <p:cNvSpPr/>
-            <p:nvPr/>
-          </p:nvSpPr>
-          <p:spPr>
-            <a:xfrm>
-              <a:off x="2689697" y="1785205"/>
-              <a:ext cx="1723697" cy="676602"/>
-            </a:xfrm>
-            <a:prstGeom prst="roundRect">
-              <a:avLst/>
-            </a:prstGeom>
-            <a:solidFill>
-              <a:schemeClr val="accent2">
-                <a:lumMod val="40000"/>
-                <a:lumOff val="60000"/>
-              </a:schemeClr>
-            </a:solidFill>
-            <a:ln>
-              <a:solidFill>
-                <a:schemeClr val="accent2">
-                  <a:lumMod val="50000"/>
-                </a:schemeClr>
-              </a:solidFill>
-            </a:ln>
-          </p:spPr>
-          <p:style>
-            <a:lnRef idx="2">
-              <a:schemeClr val="accent1">
-                <a:shade val="50000"/>
-              </a:schemeClr>
-            </a:lnRef>
-            <a:fillRef idx="1">
-              <a:schemeClr val="accent1"/>
-            </a:fillRef>
-            <a:effectRef idx="0">
-              <a:schemeClr val="accent1"/>
-            </a:effectRef>
-            <a:fontRef idx="minor">
-              <a:schemeClr val="lt1"/>
-            </a:fontRef>
-          </p:style>
-          <p:txBody>
-            <a:bodyPr rtlCol="0" anchor="ctr"/>
-            <a:lstStyle/>
-            <a:p>
-              <a:pPr algn="ctr"/>
-              <a:r>
-                <a:rPr lang="en-GB" sz="1400" dirty="0">
-                  <a:solidFill>
-                    <a:schemeClr val="accent2">
-                      <a:lumMod val="50000"/>
-                    </a:schemeClr>
-                  </a:solidFill>
-                </a:rPr>
-                <a:t>Alignment to hg19 with bwa mem</a:t>
-              </a:r>
-            </a:p>
-          </p:txBody>
-        </p:sp>
-        <p:sp>
-          <p:nvSpPr>
-            <p:cNvPr id="5" name="Rounded Rectangle 4">
-              <a:extLst>
-                <a:ext uri="{FF2B5EF4-FFF2-40B4-BE49-F238E27FC236}">
-                  <a16:creationId xmlns:a16="http://schemas.microsoft.com/office/drawing/2014/main" id="{DA90F3BD-B611-0B42-9442-9D050A224EEC}"/>
-                </a:ext>
-              </a:extLst>
-            </p:cNvPr>
-            <p:cNvSpPr/>
-            <p:nvPr/>
-          </p:nvSpPr>
-          <p:spPr>
-            <a:xfrm>
-              <a:off x="2701129" y="2587726"/>
-              <a:ext cx="1723697" cy="676602"/>
-            </a:xfrm>
-            <a:prstGeom prst="roundRect">
-              <a:avLst/>
-            </a:prstGeom>
-            <a:solidFill>
-              <a:schemeClr val="accent2">
-                <a:lumMod val="40000"/>
-                <a:lumOff val="60000"/>
-              </a:schemeClr>
-            </a:solidFill>
-            <a:ln>
-              <a:solidFill>
-                <a:schemeClr val="accent2">
-                  <a:lumMod val="50000"/>
-                </a:schemeClr>
-              </a:solidFill>
-            </a:ln>
-          </p:spPr>
-          <p:style>
-            <a:lnRef idx="2">
-              <a:schemeClr val="accent1">
-                <a:shade val="50000"/>
-              </a:schemeClr>
-            </a:lnRef>
-            <a:fillRef idx="1">
-              <a:schemeClr val="accent1"/>
-            </a:fillRef>
-            <a:effectRef idx="0">
-              <a:schemeClr val="accent1"/>
-            </a:effectRef>
-            <a:fontRef idx="minor">
-              <a:schemeClr val="lt1"/>
-            </a:fontRef>
-          </p:style>
-          <p:txBody>
-            <a:bodyPr rtlCol="0" anchor="ctr"/>
-            <a:lstStyle/>
-            <a:p>
-              <a:pPr algn="ctr"/>
-              <a:r>
-                <a:rPr lang="en-GB" sz="1400" dirty="0">
-                  <a:solidFill>
-                    <a:schemeClr val="accent2">
-                      <a:lumMod val="50000"/>
-                    </a:schemeClr>
-                  </a:solidFill>
-                </a:rPr>
-                <a:t>Check stats with </a:t>
-              </a:r>
-              <a:r>
-                <a:rPr lang="en-GB" sz="1400" dirty="0" err="1">
-                  <a:solidFill>
-                    <a:schemeClr val="accent2">
-                      <a:lumMod val="50000"/>
-                    </a:schemeClr>
-                  </a:solidFill>
-                </a:rPr>
-                <a:t>samtools</a:t>
-              </a:r>
-              <a:r>
-                <a:rPr lang="en-GB" sz="1400" dirty="0">
-                  <a:solidFill>
-                    <a:schemeClr val="accent2">
-                      <a:lumMod val="50000"/>
-                    </a:schemeClr>
-                  </a:solidFill>
-                </a:rPr>
-                <a:t> stats</a:t>
-              </a:r>
-            </a:p>
-          </p:txBody>
-        </p:sp>
-        <p:sp>
-          <p:nvSpPr>
-            <p:cNvPr id="6" name="Rounded Rectangle 5">
-              <a:extLst>
-                <a:ext uri="{FF2B5EF4-FFF2-40B4-BE49-F238E27FC236}">
-                  <a16:creationId xmlns:a16="http://schemas.microsoft.com/office/drawing/2014/main" id="{B0C66732-B228-1840-AD3B-7BD57053EF8F}"/>
-                </a:ext>
-              </a:extLst>
-            </p:cNvPr>
-            <p:cNvSpPr/>
-            <p:nvPr/>
-          </p:nvSpPr>
-          <p:spPr>
-            <a:xfrm>
-              <a:off x="2701129" y="3420040"/>
-              <a:ext cx="1723697" cy="676602"/>
-            </a:xfrm>
-            <a:prstGeom prst="roundRect">
-              <a:avLst/>
-            </a:prstGeom>
-            <a:solidFill>
-              <a:schemeClr val="accent2">
-                <a:lumMod val="40000"/>
-                <a:lumOff val="60000"/>
-              </a:schemeClr>
-            </a:solidFill>
-            <a:ln>
-              <a:solidFill>
-                <a:schemeClr val="accent2">
-                  <a:lumMod val="50000"/>
-                </a:schemeClr>
-              </a:solidFill>
-            </a:ln>
-          </p:spPr>
-          <p:style>
-            <a:lnRef idx="2">
-              <a:schemeClr val="accent1">
-                <a:shade val="50000"/>
-              </a:schemeClr>
-            </a:lnRef>
-            <a:fillRef idx="1">
-              <a:schemeClr val="accent1"/>
-            </a:fillRef>
-            <a:effectRef idx="0">
-              <a:schemeClr val="accent1"/>
-            </a:effectRef>
-            <a:fontRef idx="minor">
-              <a:schemeClr val="lt1"/>
-            </a:fontRef>
-          </p:style>
-          <p:txBody>
-            <a:bodyPr rtlCol="0" anchor="ctr"/>
-            <a:lstStyle/>
-            <a:p>
-              <a:pPr algn="ctr"/>
-              <a:r>
-                <a:rPr lang="en-GB" sz="1400" dirty="0">
-                  <a:solidFill>
-                    <a:schemeClr val="accent2">
-                      <a:lumMod val="50000"/>
-                    </a:schemeClr>
-                  </a:solidFill>
-                </a:rPr>
-                <a:t>Merge multiple </a:t>
-              </a:r>
-              <a:r>
-                <a:rPr lang="en-GB" sz="1400" dirty="0" err="1">
-                  <a:solidFill>
-                    <a:schemeClr val="accent2">
-                      <a:lumMod val="50000"/>
-                    </a:schemeClr>
-                  </a:solidFill>
-                </a:rPr>
-                <a:t>bams</a:t>
-              </a:r>
-              <a:r>
-                <a:rPr lang="en-GB" sz="1400" dirty="0">
-                  <a:solidFill>
-                    <a:schemeClr val="accent2">
-                      <a:lumMod val="50000"/>
-                    </a:schemeClr>
-                  </a:solidFill>
-                </a:rPr>
-                <a:t> if necessary</a:t>
-              </a:r>
-            </a:p>
-          </p:txBody>
-        </p:sp>
-        <p:sp>
-          <p:nvSpPr>
-            <p:cNvPr id="7" name="Rounded Rectangle 6">
-              <a:extLst>
-                <a:ext uri="{FF2B5EF4-FFF2-40B4-BE49-F238E27FC236}">
-                  <a16:creationId xmlns:a16="http://schemas.microsoft.com/office/drawing/2014/main" id="{1518E689-EC99-404C-A17D-71A54EEA517E}"/>
-                </a:ext>
-              </a:extLst>
-            </p:cNvPr>
-            <p:cNvSpPr/>
-            <p:nvPr/>
-          </p:nvSpPr>
-          <p:spPr>
-            <a:xfrm>
-              <a:off x="2701129" y="4222025"/>
-              <a:ext cx="1723697" cy="676602"/>
-            </a:xfrm>
-            <a:prstGeom prst="roundRect">
-              <a:avLst/>
-            </a:prstGeom>
-            <a:solidFill>
-              <a:schemeClr val="accent2">
-                <a:lumMod val="40000"/>
-                <a:lumOff val="60000"/>
-              </a:schemeClr>
-            </a:solidFill>
-            <a:ln>
-              <a:solidFill>
-                <a:schemeClr val="accent2">
-                  <a:lumMod val="50000"/>
-                </a:schemeClr>
-              </a:solidFill>
-            </a:ln>
-          </p:spPr>
-          <p:style>
-            <a:lnRef idx="2">
-              <a:schemeClr val="accent1">
-                <a:shade val="50000"/>
-              </a:schemeClr>
-            </a:lnRef>
-            <a:fillRef idx="1">
-              <a:schemeClr val="accent1"/>
-            </a:fillRef>
-            <a:effectRef idx="0">
-              <a:schemeClr val="accent1"/>
-            </a:effectRef>
-            <a:fontRef idx="minor">
-              <a:schemeClr val="lt1"/>
-            </a:fontRef>
-          </p:style>
-          <p:txBody>
-            <a:bodyPr rtlCol="0" anchor="ctr"/>
-            <a:lstStyle/>
-            <a:p>
-              <a:pPr algn="ctr"/>
-              <a:r>
-                <a:rPr lang="en-GB" sz="1200" dirty="0">
-                  <a:solidFill>
-                    <a:schemeClr val="accent2">
-                      <a:lumMod val="50000"/>
-                    </a:schemeClr>
-                  </a:solidFill>
-                </a:rPr>
-                <a:t>Filter low mapping quality reads and sort</a:t>
-              </a:r>
-            </a:p>
-          </p:txBody>
-        </p:sp>
-        <p:sp>
-          <p:nvSpPr>
-            <p:cNvPr id="8" name="Rounded Rectangle 7">
-              <a:extLst>
-                <a:ext uri="{FF2B5EF4-FFF2-40B4-BE49-F238E27FC236}">
-                  <a16:creationId xmlns:a16="http://schemas.microsoft.com/office/drawing/2014/main" id="{C2B715E2-4702-554E-88D3-77D0E942E00F}"/>
-                </a:ext>
-              </a:extLst>
-            </p:cNvPr>
-            <p:cNvSpPr/>
-            <p:nvPr/>
-          </p:nvSpPr>
-          <p:spPr>
-            <a:xfrm>
-              <a:off x="2701129" y="5042488"/>
-              <a:ext cx="1723697" cy="676602"/>
-            </a:xfrm>
-            <a:prstGeom prst="roundRect">
-              <a:avLst/>
-            </a:prstGeom>
-            <a:solidFill>
-              <a:schemeClr val="accent2">
-                <a:lumMod val="40000"/>
-                <a:lumOff val="60000"/>
-              </a:schemeClr>
-            </a:solidFill>
-            <a:ln>
-              <a:solidFill>
-                <a:schemeClr val="accent2">
-                  <a:lumMod val="50000"/>
-                </a:schemeClr>
-              </a:solidFill>
-            </a:ln>
-          </p:spPr>
-          <p:style>
-            <a:lnRef idx="2">
-              <a:schemeClr val="accent1">
-                <a:shade val="50000"/>
-              </a:schemeClr>
-            </a:lnRef>
-            <a:fillRef idx="1">
-              <a:schemeClr val="accent1"/>
-            </a:fillRef>
-            <a:effectRef idx="0">
-              <a:schemeClr val="accent1"/>
-            </a:effectRef>
-            <a:fontRef idx="minor">
-              <a:schemeClr val="lt1"/>
-            </a:fontRef>
-          </p:style>
-          <p:txBody>
-            <a:bodyPr rtlCol="0" anchor="ctr"/>
-            <a:lstStyle/>
-            <a:p>
-              <a:pPr algn="ctr"/>
-              <a:r>
-                <a:rPr lang="en-GB" sz="1400" dirty="0">
-                  <a:solidFill>
-                    <a:schemeClr val="accent2">
-                      <a:lumMod val="50000"/>
-                    </a:schemeClr>
-                  </a:solidFill>
-                </a:rPr>
-                <a:t>Check stats with </a:t>
-              </a:r>
-              <a:r>
-                <a:rPr lang="en-GB" sz="1400" dirty="0" err="1">
-                  <a:solidFill>
-                    <a:schemeClr val="accent2">
-                      <a:lumMod val="50000"/>
-                    </a:schemeClr>
-                  </a:solidFill>
-                </a:rPr>
-                <a:t>samtools</a:t>
-              </a:r>
-              <a:r>
-                <a:rPr lang="en-GB" sz="1400" dirty="0">
-                  <a:solidFill>
-                    <a:schemeClr val="accent2">
-                      <a:lumMod val="50000"/>
-                    </a:schemeClr>
-                  </a:solidFill>
-                </a:rPr>
-                <a:t> stats</a:t>
-              </a:r>
-            </a:p>
-          </p:txBody>
-        </p:sp>
-        <p:sp>
-          <p:nvSpPr>
-            <p:cNvPr id="9" name="Rounded Rectangle 8">
-              <a:extLst>
-                <a:ext uri="{FF2B5EF4-FFF2-40B4-BE49-F238E27FC236}">
-                  <a16:creationId xmlns:a16="http://schemas.microsoft.com/office/drawing/2014/main" id="{E38EEFC9-8A62-4740-A07F-D9FEC122E9F8}"/>
-                </a:ext>
-              </a:extLst>
-            </p:cNvPr>
-            <p:cNvSpPr/>
-            <p:nvPr/>
-          </p:nvSpPr>
-          <p:spPr>
-            <a:xfrm>
-              <a:off x="2701129" y="5862951"/>
-              <a:ext cx="1723697" cy="676602"/>
-            </a:xfrm>
-            <a:prstGeom prst="roundRect">
-              <a:avLst/>
-            </a:prstGeom>
-            <a:solidFill>
-              <a:schemeClr val="accent2">
-                <a:lumMod val="40000"/>
-                <a:lumOff val="60000"/>
-              </a:schemeClr>
-            </a:solidFill>
-            <a:ln>
-              <a:solidFill>
-                <a:schemeClr val="accent2">
-                  <a:lumMod val="50000"/>
-                </a:schemeClr>
-              </a:solidFill>
-            </a:ln>
-          </p:spPr>
-          <p:style>
-            <a:lnRef idx="2">
-              <a:schemeClr val="accent1">
-                <a:shade val="50000"/>
-              </a:schemeClr>
-            </a:lnRef>
-            <a:fillRef idx="1">
-              <a:schemeClr val="accent1"/>
-            </a:fillRef>
-            <a:effectRef idx="0">
-              <a:schemeClr val="accent1"/>
-            </a:effectRef>
-            <a:fontRef idx="minor">
-              <a:schemeClr val="lt1"/>
-            </a:fontRef>
-          </p:style>
-          <p:txBody>
-            <a:bodyPr rtlCol="0" anchor="ctr"/>
-            <a:lstStyle/>
-            <a:p>
-              <a:pPr algn="ctr"/>
-              <a:r>
-                <a:rPr lang="en-GB" sz="1400" dirty="0">
-                  <a:solidFill>
-                    <a:schemeClr val="accent2">
-                      <a:lumMod val="50000"/>
-                    </a:schemeClr>
-                  </a:solidFill>
-                </a:rPr>
-                <a:t>Remove duplicated reads</a:t>
-              </a:r>
-            </a:p>
-          </p:txBody>
-        </p:sp>
-        <p:sp>
-          <p:nvSpPr>
-            <p:cNvPr id="10" name="Rounded Rectangle 9">
-              <a:extLst>
-                <a:ext uri="{FF2B5EF4-FFF2-40B4-BE49-F238E27FC236}">
-                  <a16:creationId xmlns:a16="http://schemas.microsoft.com/office/drawing/2014/main" id="{ABA944C0-275B-564E-9513-4082B48F5974}"/>
-                </a:ext>
-              </a:extLst>
-            </p:cNvPr>
-            <p:cNvSpPr/>
-            <p:nvPr/>
-          </p:nvSpPr>
-          <p:spPr>
-            <a:xfrm>
-              <a:off x="5251083" y="1445724"/>
-              <a:ext cx="1723697" cy="676602"/>
-            </a:xfrm>
-            <a:prstGeom prst="roundRect">
-              <a:avLst/>
-            </a:prstGeom>
-            <a:solidFill>
-              <a:schemeClr val="accent6">
-                <a:lumMod val="40000"/>
-                <a:lumOff val="60000"/>
-              </a:schemeClr>
-            </a:solidFill>
-            <a:ln>
-              <a:solidFill>
-                <a:schemeClr val="accent6">
-                  <a:lumMod val="50000"/>
-                </a:schemeClr>
-              </a:solidFill>
-            </a:ln>
-          </p:spPr>
-          <p:style>
-            <a:lnRef idx="2">
-              <a:schemeClr val="accent1">
-                <a:shade val="50000"/>
-              </a:schemeClr>
-            </a:lnRef>
-            <a:fillRef idx="1">
-              <a:schemeClr val="accent1"/>
-            </a:fillRef>
-            <a:effectRef idx="0">
-              <a:schemeClr val="accent1"/>
-            </a:effectRef>
-            <a:fontRef idx="minor">
-              <a:schemeClr val="lt1"/>
-            </a:fontRef>
-          </p:style>
-          <p:txBody>
-            <a:bodyPr rtlCol="0" anchor="ctr"/>
-            <a:lstStyle/>
-            <a:p>
-              <a:pPr algn="ctr"/>
-              <a:r>
-                <a:rPr lang="en-GB" sz="1400" dirty="0">
-                  <a:solidFill>
-                    <a:schemeClr val="accent6">
-                      <a:lumMod val="50000"/>
-                    </a:schemeClr>
-                  </a:solidFill>
-                </a:rPr>
-                <a:t>Calculate RPKM values</a:t>
-              </a:r>
-            </a:p>
-          </p:txBody>
-        </p:sp>
-        <p:sp>
-          <p:nvSpPr>
-            <p:cNvPr id="11" name="Rounded Rectangle 10">
-              <a:extLst>
-                <a:ext uri="{FF2B5EF4-FFF2-40B4-BE49-F238E27FC236}">
-                  <a16:creationId xmlns:a16="http://schemas.microsoft.com/office/drawing/2014/main" id="{2C2F40B5-B2A2-B04A-9C70-F673460B6698}"/>
-                </a:ext>
-              </a:extLst>
-            </p:cNvPr>
-            <p:cNvSpPr/>
-            <p:nvPr/>
-          </p:nvSpPr>
-          <p:spPr>
-            <a:xfrm>
-              <a:off x="5266030" y="2247149"/>
-              <a:ext cx="1723697" cy="676602"/>
-            </a:xfrm>
-            <a:prstGeom prst="roundRect">
-              <a:avLst/>
-            </a:prstGeom>
-            <a:solidFill>
-              <a:schemeClr val="accent6">
-                <a:lumMod val="40000"/>
-                <a:lumOff val="60000"/>
-              </a:schemeClr>
-            </a:solidFill>
-            <a:ln>
-              <a:solidFill>
-                <a:schemeClr val="accent6">
-                  <a:lumMod val="50000"/>
-                </a:schemeClr>
-              </a:solidFill>
-            </a:ln>
-          </p:spPr>
-          <p:style>
-            <a:lnRef idx="2">
-              <a:schemeClr val="accent1">
-                <a:shade val="50000"/>
-              </a:schemeClr>
-            </a:lnRef>
-            <a:fillRef idx="1">
-              <a:schemeClr val="accent1"/>
-            </a:fillRef>
-            <a:effectRef idx="0">
-              <a:schemeClr val="accent1"/>
-            </a:effectRef>
-            <a:fontRef idx="minor">
-              <a:schemeClr val="lt1"/>
-            </a:fontRef>
-          </p:style>
-          <p:txBody>
-            <a:bodyPr rtlCol="0" anchor="ctr"/>
-            <a:lstStyle/>
-            <a:p>
-              <a:pPr algn="ctr"/>
-              <a:r>
-                <a:rPr lang="en-GB" sz="1200" dirty="0">
-                  <a:solidFill>
-                    <a:schemeClr val="accent6">
-                      <a:lumMod val="50000"/>
-                    </a:schemeClr>
-                  </a:solidFill>
-                </a:rPr>
-                <a:t>Filter low coverage windows and outliers</a:t>
-              </a:r>
-            </a:p>
-          </p:txBody>
-        </p:sp>
-        <p:sp>
-          <p:nvSpPr>
-            <p:cNvPr id="12" name="Rounded Rectangle 11">
-              <a:extLst>
-                <a:ext uri="{FF2B5EF4-FFF2-40B4-BE49-F238E27FC236}">
-                  <a16:creationId xmlns:a16="http://schemas.microsoft.com/office/drawing/2014/main" id="{AB4E632C-499B-2340-BBBF-FC4EB5A46DF6}"/>
-                </a:ext>
-              </a:extLst>
-            </p:cNvPr>
-            <p:cNvSpPr/>
-            <p:nvPr/>
-          </p:nvSpPr>
-          <p:spPr>
-            <a:xfrm>
-              <a:off x="5266030" y="3060131"/>
-              <a:ext cx="1723697" cy="676602"/>
-            </a:xfrm>
-            <a:prstGeom prst="roundRect">
-              <a:avLst/>
-            </a:prstGeom>
-            <a:solidFill>
-              <a:schemeClr val="accent6">
-                <a:lumMod val="40000"/>
-                <a:lumOff val="60000"/>
-              </a:schemeClr>
-            </a:solidFill>
-            <a:ln>
-              <a:solidFill>
-                <a:schemeClr val="accent6">
-                  <a:lumMod val="50000"/>
-                </a:schemeClr>
-              </a:solidFill>
-            </a:ln>
-          </p:spPr>
-          <p:style>
-            <a:lnRef idx="2">
-              <a:schemeClr val="accent1">
-                <a:shade val="50000"/>
-              </a:schemeClr>
-            </a:lnRef>
-            <a:fillRef idx="1">
-              <a:schemeClr val="accent1"/>
-            </a:fillRef>
-            <a:effectRef idx="0">
-              <a:schemeClr val="accent1"/>
-            </a:effectRef>
-            <a:fontRef idx="minor">
-              <a:schemeClr val="lt1"/>
-            </a:fontRef>
-          </p:style>
-          <p:txBody>
-            <a:bodyPr rtlCol="0" anchor="ctr"/>
-            <a:lstStyle/>
-            <a:p>
-              <a:pPr algn="ctr"/>
-              <a:r>
-                <a:rPr lang="en-GB" sz="1400" dirty="0">
-                  <a:solidFill>
-                    <a:schemeClr val="accent6">
-                      <a:lumMod val="50000"/>
-                    </a:schemeClr>
-                  </a:solidFill>
-                </a:rPr>
-                <a:t>Calculate log2-ratio</a:t>
-              </a:r>
-            </a:p>
-          </p:txBody>
-        </p:sp>
-        <p:sp>
-          <p:nvSpPr>
-            <p:cNvPr id="13" name="Rounded Rectangle 12">
-              <a:extLst>
-                <a:ext uri="{FF2B5EF4-FFF2-40B4-BE49-F238E27FC236}">
-                  <a16:creationId xmlns:a16="http://schemas.microsoft.com/office/drawing/2014/main" id="{5FA95F7C-C86A-D642-B1A2-A15DF4B3FD8B}"/>
-                </a:ext>
-              </a:extLst>
-            </p:cNvPr>
-            <p:cNvSpPr/>
-            <p:nvPr/>
-          </p:nvSpPr>
-          <p:spPr>
-            <a:xfrm>
-              <a:off x="5297251" y="3864394"/>
-              <a:ext cx="1723697" cy="676602"/>
-            </a:xfrm>
-            <a:prstGeom prst="roundRect">
-              <a:avLst/>
-            </a:prstGeom>
-            <a:solidFill>
-              <a:schemeClr val="accent6">
-                <a:lumMod val="40000"/>
-                <a:lumOff val="60000"/>
-              </a:schemeClr>
-            </a:solidFill>
-            <a:ln w="28575">
-              <a:solidFill>
-                <a:srgbClr val="C00000"/>
-              </a:solidFill>
-            </a:ln>
-          </p:spPr>
-          <p:style>
-            <a:lnRef idx="2">
-              <a:schemeClr val="accent1">
-                <a:shade val="50000"/>
-              </a:schemeClr>
-            </a:lnRef>
-            <a:fillRef idx="1">
-              <a:schemeClr val="accent1"/>
-            </a:fillRef>
-            <a:effectRef idx="0">
-              <a:schemeClr val="accent1"/>
-            </a:effectRef>
-            <a:fontRef idx="minor">
-              <a:schemeClr val="lt1"/>
-            </a:fontRef>
-          </p:style>
-          <p:txBody>
-            <a:bodyPr rtlCol="0" anchor="ctr"/>
-            <a:lstStyle/>
-            <a:p>
-              <a:pPr algn="ctr"/>
-              <a:r>
-                <a:rPr lang="en-GB" sz="1400" dirty="0">
-                  <a:solidFill>
-                    <a:schemeClr val="accent6">
-                      <a:lumMod val="50000"/>
-                    </a:schemeClr>
-                  </a:solidFill>
-                </a:rPr>
-                <a:t>Normalisation and smoothing</a:t>
-              </a:r>
-            </a:p>
-          </p:txBody>
-        </p:sp>
-        <p:sp>
-          <p:nvSpPr>
-            <p:cNvPr id="14" name="Rounded Rectangle 13">
-              <a:extLst>
-                <a:ext uri="{FF2B5EF4-FFF2-40B4-BE49-F238E27FC236}">
-                  <a16:creationId xmlns:a16="http://schemas.microsoft.com/office/drawing/2014/main" id="{5D93F18C-E844-074E-A60E-ED747C6BBD2C}"/>
-                </a:ext>
-              </a:extLst>
-            </p:cNvPr>
-            <p:cNvSpPr/>
-            <p:nvPr/>
-          </p:nvSpPr>
-          <p:spPr>
-            <a:xfrm>
-              <a:off x="5266030" y="4668657"/>
-              <a:ext cx="1723697" cy="676602"/>
-            </a:xfrm>
-            <a:prstGeom prst="roundRect">
-              <a:avLst/>
-            </a:prstGeom>
-            <a:solidFill>
-              <a:schemeClr val="accent6">
-                <a:lumMod val="40000"/>
-                <a:lumOff val="60000"/>
-              </a:schemeClr>
-            </a:solidFill>
-            <a:ln>
-              <a:solidFill>
-                <a:schemeClr val="accent6">
-                  <a:lumMod val="50000"/>
-                </a:schemeClr>
-              </a:solidFill>
-            </a:ln>
-          </p:spPr>
-          <p:style>
-            <a:lnRef idx="2">
-              <a:schemeClr val="accent1">
-                <a:shade val="50000"/>
-              </a:schemeClr>
-            </a:lnRef>
-            <a:fillRef idx="1">
-              <a:schemeClr val="accent1"/>
-            </a:fillRef>
-            <a:effectRef idx="0">
-              <a:schemeClr val="accent1"/>
-            </a:effectRef>
-            <a:fontRef idx="minor">
-              <a:schemeClr val="lt1"/>
-            </a:fontRef>
-          </p:style>
-          <p:txBody>
-            <a:bodyPr rtlCol="0" anchor="ctr"/>
-            <a:lstStyle/>
-            <a:p>
-              <a:pPr algn="ctr"/>
-              <a:r>
-                <a:rPr lang="en-GB" sz="1400" dirty="0">
-                  <a:solidFill>
-                    <a:schemeClr val="accent6">
-                      <a:lumMod val="50000"/>
-                    </a:schemeClr>
-                  </a:solidFill>
-                </a:rPr>
-                <a:t>Timing classification</a:t>
-              </a:r>
-            </a:p>
-          </p:txBody>
-        </p:sp>
-        <p:sp>
-          <p:nvSpPr>
-            <p:cNvPr id="15" name="Rounded Rectangle 14">
-              <a:extLst>
-                <a:ext uri="{FF2B5EF4-FFF2-40B4-BE49-F238E27FC236}">
-                  <a16:creationId xmlns:a16="http://schemas.microsoft.com/office/drawing/2014/main" id="{942BFE1F-A5B5-0E48-A9BC-0D29CC8ECC0A}"/>
-                </a:ext>
-              </a:extLst>
-            </p:cNvPr>
-            <p:cNvSpPr/>
-            <p:nvPr/>
-          </p:nvSpPr>
-          <p:spPr>
-            <a:xfrm>
-              <a:off x="5268418" y="5429200"/>
-              <a:ext cx="1723697" cy="676602"/>
-            </a:xfrm>
-            <a:prstGeom prst="roundRect">
-              <a:avLst/>
-            </a:prstGeom>
-            <a:solidFill>
-              <a:schemeClr val="accent6">
-                <a:lumMod val="40000"/>
-                <a:lumOff val="60000"/>
-              </a:schemeClr>
-            </a:solidFill>
-            <a:ln>
-              <a:solidFill>
-                <a:schemeClr val="accent6">
-                  <a:lumMod val="50000"/>
-                </a:schemeClr>
-              </a:solidFill>
-            </a:ln>
-          </p:spPr>
-          <p:style>
-            <a:lnRef idx="2">
-              <a:schemeClr val="accent1">
-                <a:shade val="50000"/>
-              </a:schemeClr>
-            </a:lnRef>
-            <a:fillRef idx="1">
-              <a:schemeClr val="accent1"/>
-            </a:fillRef>
-            <a:effectRef idx="0">
-              <a:schemeClr val="accent1"/>
-            </a:effectRef>
-            <a:fontRef idx="minor">
-              <a:schemeClr val="lt1"/>
-            </a:fontRef>
-          </p:style>
-          <p:txBody>
-            <a:bodyPr rtlCol="0" anchor="ctr"/>
-            <a:lstStyle/>
-            <a:p>
-              <a:pPr algn="ctr"/>
-              <a:r>
-                <a:rPr lang="en-GB" sz="1400" dirty="0">
-                  <a:solidFill>
-                    <a:schemeClr val="accent6">
-                      <a:lumMod val="50000"/>
-                    </a:schemeClr>
-                  </a:solidFill>
-                </a:rPr>
-                <a:t>QC-Plots</a:t>
-              </a:r>
-            </a:p>
-          </p:txBody>
-        </p:sp>
-        <p:sp>
-          <p:nvSpPr>
-            <p:cNvPr id="16" name="Rounded Rectangle 15">
-              <a:extLst>
-                <a:ext uri="{FF2B5EF4-FFF2-40B4-BE49-F238E27FC236}">
-                  <a16:creationId xmlns:a16="http://schemas.microsoft.com/office/drawing/2014/main" id="{F7060631-74C0-0040-8F9B-1DAF2ADE052E}"/>
-                </a:ext>
-              </a:extLst>
-            </p:cNvPr>
-            <p:cNvSpPr/>
-            <p:nvPr/>
-          </p:nvSpPr>
-          <p:spPr>
-            <a:xfrm>
-              <a:off x="7736139" y="3102296"/>
-              <a:ext cx="1723697" cy="676602"/>
-            </a:xfrm>
-            <a:prstGeom prst="roundRect">
-              <a:avLst/>
-            </a:prstGeom>
-            <a:solidFill>
-              <a:schemeClr val="bg1">
-                <a:lumMod val="75000"/>
-              </a:schemeClr>
-            </a:solidFill>
-            <a:ln>
-              <a:solidFill>
-                <a:schemeClr val="bg2">
-                  <a:lumMod val="25000"/>
-                </a:schemeClr>
-              </a:solidFill>
-            </a:ln>
-          </p:spPr>
-          <p:style>
-            <a:lnRef idx="2">
-              <a:schemeClr val="accent1">
-                <a:shade val="50000"/>
-              </a:schemeClr>
-            </a:lnRef>
-            <a:fillRef idx="1">
-              <a:schemeClr val="accent1"/>
-            </a:fillRef>
-            <a:effectRef idx="0">
-              <a:schemeClr val="accent1"/>
-            </a:effectRef>
-            <a:fontRef idx="minor">
-              <a:schemeClr val="lt1"/>
-            </a:fontRef>
-          </p:style>
-          <p:txBody>
-            <a:bodyPr rtlCol="0" anchor="ctr"/>
-            <a:lstStyle/>
-            <a:p>
-              <a:pPr algn="ctr"/>
-              <a:r>
-                <a:rPr lang="en-GB" sz="1600" dirty="0">
-                  <a:solidFill>
-                    <a:schemeClr val="bg2">
-                      <a:lumMod val="25000"/>
-                    </a:schemeClr>
-                  </a:solidFill>
-                </a:rPr>
-                <a:t>Run </a:t>
-              </a:r>
-              <a:r>
-                <a:rPr lang="en-GB" sz="1600" dirty="0" err="1">
-                  <a:solidFill>
-                    <a:schemeClr val="bg2">
-                      <a:lumMod val="25000"/>
-                    </a:schemeClr>
-                  </a:solidFill>
-                </a:rPr>
-                <a:t>Repliscan</a:t>
-              </a:r>
-              <a:endParaRPr lang="en-GB" sz="1600" dirty="0">
-                <a:solidFill>
-                  <a:schemeClr val="bg2">
-                    <a:lumMod val="25000"/>
-                  </a:schemeClr>
-                </a:solidFill>
-              </a:endParaRPr>
-            </a:p>
-          </p:txBody>
-        </p:sp>
-        <p:sp>
-          <p:nvSpPr>
-            <p:cNvPr id="18" name="Rounded Rectangle 17">
-              <a:extLst>
-                <a:ext uri="{FF2B5EF4-FFF2-40B4-BE49-F238E27FC236}">
-                  <a16:creationId xmlns:a16="http://schemas.microsoft.com/office/drawing/2014/main" id="{AE0A2EDA-9827-3A45-A749-22CC14AE0E0D}"/>
-                </a:ext>
-              </a:extLst>
-            </p:cNvPr>
-            <p:cNvSpPr/>
-            <p:nvPr/>
-          </p:nvSpPr>
-          <p:spPr>
-            <a:xfrm>
-              <a:off x="7767174" y="3913341"/>
-              <a:ext cx="1723697" cy="676602"/>
-            </a:xfrm>
-            <a:prstGeom prst="roundRect">
-              <a:avLst/>
-            </a:prstGeom>
-            <a:solidFill>
-              <a:schemeClr val="bg1">
-                <a:lumMod val="75000"/>
-              </a:schemeClr>
-            </a:solidFill>
-            <a:ln>
-              <a:solidFill>
-                <a:schemeClr val="bg2">
-                  <a:lumMod val="25000"/>
-                </a:schemeClr>
-              </a:solidFill>
-            </a:ln>
-          </p:spPr>
-          <p:style>
-            <a:lnRef idx="2">
-              <a:schemeClr val="accent1">
-                <a:shade val="50000"/>
-              </a:schemeClr>
-            </a:lnRef>
-            <a:fillRef idx="1">
-              <a:schemeClr val="accent1"/>
-            </a:fillRef>
-            <a:effectRef idx="0">
-              <a:schemeClr val="accent1"/>
-            </a:effectRef>
-            <a:fontRef idx="minor">
-              <a:schemeClr val="lt1"/>
-            </a:fontRef>
-          </p:style>
-          <p:txBody>
-            <a:bodyPr rtlCol="0" anchor="ctr"/>
-            <a:lstStyle/>
-            <a:p>
-              <a:pPr algn="ctr"/>
-              <a:r>
-                <a:rPr lang="en-GB" sz="1400" dirty="0">
-                  <a:solidFill>
-                    <a:schemeClr val="bg2">
-                      <a:lumMod val="25000"/>
-                    </a:schemeClr>
-                  </a:solidFill>
-                </a:rPr>
-                <a:t>Compare log2-ratio and </a:t>
-              </a:r>
-              <a:r>
-                <a:rPr lang="en-GB" sz="1400" dirty="0" err="1">
-                  <a:solidFill>
-                    <a:schemeClr val="bg2">
-                      <a:lumMod val="25000"/>
-                    </a:schemeClr>
-                  </a:solidFill>
-                </a:rPr>
-                <a:t>Repliscan</a:t>
-              </a:r>
-              <a:r>
-                <a:rPr lang="en-GB" sz="1400" dirty="0">
-                  <a:solidFill>
-                    <a:schemeClr val="bg2">
-                      <a:lumMod val="25000"/>
-                    </a:schemeClr>
-                  </a:solidFill>
-                </a:rPr>
-                <a:t> results</a:t>
-              </a:r>
-            </a:p>
-          </p:txBody>
-        </p:sp>
-        <p:sp>
-          <p:nvSpPr>
-            <p:cNvPr id="20" name="TextBox 19">
-              <a:extLst>
-                <a:ext uri="{FF2B5EF4-FFF2-40B4-BE49-F238E27FC236}">
-                  <a16:creationId xmlns:a16="http://schemas.microsoft.com/office/drawing/2014/main" id="{8E09A8BC-286D-354E-AEED-8DAADCD92C75}"/>
-                </a:ext>
-              </a:extLst>
-            </p:cNvPr>
-            <p:cNvSpPr txBox="1"/>
-            <p:nvPr/>
-          </p:nvSpPr>
-          <p:spPr>
-            <a:xfrm>
-              <a:off x="2976160" y="613049"/>
-              <a:ext cx="1150764" cy="369332"/>
-            </a:xfrm>
-            <a:prstGeom prst="rect">
-              <a:avLst/>
-            </a:prstGeom>
-            <a:noFill/>
-          </p:spPr>
-          <p:txBody>
-            <a:bodyPr wrap="none" rtlCol="0">
-              <a:spAutoFit/>
-            </a:bodyPr>
-            <a:lstStyle/>
-            <a:p>
-              <a:r>
-                <a:rPr lang="en-GB" dirty="0"/>
-                <a:t>Alignment</a:t>
-              </a:r>
-            </a:p>
-          </p:txBody>
-        </p:sp>
-        <p:sp>
-          <p:nvSpPr>
-            <p:cNvPr id="21" name="TextBox 20">
-              <a:extLst>
-                <a:ext uri="{FF2B5EF4-FFF2-40B4-BE49-F238E27FC236}">
-                  <a16:creationId xmlns:a16="http://schemas.microsoft.com/office/drawing/2014/main" id="{1CF18FB2-B0A9-0843-AAFE-EAABE07312B0}"/>
-                </a:ext>
-              </a:extLst>
-            </p:cNvPr>
-            <p:cNvSpPr txBox="1"/>
-            <p:nvPr/>
-          </p:nvSpPr>
-          <p:spPr>
-            <a:xfrm>
-              <a:off x="5579997" y="1120165"/>
-              <a:ext cx="1065869" cy="369332"/>
-            </a:xfrm>
-            <a:prstGeom prst="rect">
-              <a:avLst/>
-            </a:prstGeom>
-            <a:noFill/>
-          </p:spPr>
-          <p:txBody>
-            <a:bodyPr wrap="none" rtlCol="0">
-              <a:spAutoFit/>
-            </a:bodyPr>
-            <a:lstStyle/>
-            <a:p>
-              <a:r>
-                <a:rPr lang="en-GB" dirty="0"/>
-                <a:t>Log2ratio</a:t>
-              </a:r>
-            </a:p>
-          </p:txBody>
-        </p:sp>
-        <p:sp>
-          <p:nvSpPr>
-            <p:cNvPr id="22" name="TextBox 21">
-              <a:extLst>
-                <a:ext uri="{FF2B5EF4-FFF2-40B4-BE49-F238E27FC236}">
-                  <a16:creationId xmlns:a16="http://schemas.microsoft.com/office/drawing/2014/main" id="{4F09A014-B768-1440-A7BE-E3359E7E732F}"/>
-                </a:ext>
-              </a:extLst>
-            </p:cNvPr>
-            <p:cNvSpPr txBox="1"/>
-            <p:nvPr/>
-          </p:nvSpPr>
-          <p:spPr>
-            <a:xfrm>
-              <a:off x="8029835" y="2767871"/>
-              <a:ext cx="1123513" cy="369332"/>
-            </a:xfrm>
-            <a:prstGeom prst="rect">
-              <a:avLst/>
-            </a:prstGeom>
-            <a:noFill/>
-          </p:spPr>
-          <p:txBody>
-            <a:bodyPr wrap="none" rtlCol="0">
-              <a:spAutoFit/>
-            </a:bodyPr>
-            <a:lstStyle/>
-            <a:p>
-              <a:r>
-                <a:rPr lang="en-GB" dirty="0"/>
-                <a:t>Validation</a:t>
-              </a:r>
-            </a:p>
-          </p:txBody>
-        </p:sp>
-        <p:sp>
-          <p:nvSpPr>
-            <p:cNvPr id="29" name="Rounded Rectangle 28">
-              <a:extLst>
-                <a:ext uri="{FF2B5EF4-FFF2-40B4-BE49-F238E27FC236}">
-                  <a16:creationId xmlns:a16="http://schemas.microsoft.com/office/drawing/2014/main" id="{447BEDF3-1639-0D4E-8432-408664078E06}"/>
-                </a:ext>
-              </a:extLst>
-            </p:cNvPr>
-            <p:cNvSpPr/>
-            <p:nvPr/>
-          </p:nvSpPr>
-          <p:spPr>
-            <a:xfrm>
-              <a:off x="422862" y="2567284"/>
-              <a:ext cx="1468993" cy="676602"/>
-            </a:xfrm>
-            <a:prstGeom prst="roundRect">
-              <a:avLst/>
-            </a:prstGeom>
-            <a:solidFill>
-              <a:schemeClr val="accent1">
-                <a:lumMod val="40000"/>
-                <a:lumOff val="60000"/>
-              </a:schemeClr>
-            </a:solidFill>
-          </p:spPr>
-          <p:style>
-            <a:lnRef idx="2">
-              <a:schemeClr val="accent1">
-                <a:shade val="50000"/>
-              </a:schemeClr>
-            </a:lnRef>
-            <a:fillRef idx="1">
-              <a:schemeClr val="accent1"/>
-            </a:fillRef>
-            <a:effectRef idx="0">
-              <a:schemeClr val="accent1"/>
-            </a:effectRef>
-            <a:fontRef idx="minor">
-              <a:schemeClr val="lt1"/>
-            </a:fontRef>
-          </p:style>
-          <p:txBody>
-            <a:bodyPr rtlCol="0" anchor="ctr"/>
-            <a:lstStyle/>
-            <a:p>
-              <a:pPr algn="ctr"/>
-              <a:r>
-                <a:rPr lang="en-GB" sz="1400" dirty="0">
-                  <a:solidFill>
-                    <a:schemeClr val="accent1">
-                      <a:lumMod val="75000"/>
-                    </a:schemeClr>
-                  </a:solidFill>
-                </a:rPr>
-                <a:t>Create design file</a:t>
-              </a:r>
-            </a:p>
-          </p:txBody>
-        </p:sp>
-        <p:cxnSp>
-          <p:nvCxnSpPr>
-            <p:cNvPr id="33" name="Straight Arrow Connector 32">
-              <a:extLst>
-                <a:ext uri="{FF2B5EF4-FFF2-40B4-BE49-F238E27FC236}">
-                  <a16:creationId xmlns:a16="http://schemas.microsoft.com/office/drawing/2014/main" id="{679CAD23-1069-D846-950E-91853196CF04}"/>
-                </a:ext>
-              </a:extLst>
-            </p:cNvPr>
-            <p:cNvCxnSpPr>
-              <a:cxnSpLocks/>
-            </p:cNvCxnSpPr>
-            <p:nvPr/>
-          </p:nvCxnSpPr>
-          <p:spPr>
-            <a:xfrm flipH="1">
-              <a:off x="3551546" y="1641459"/>
-              <a:ext cx="1" cy="112715"/>
-            </a:xfrm>
-            <a:prstGeom prst="straightConnector1">
-              <a:avLst/>
-            </a:prstGeom>
-            <a:ln w="12700">
-              <a:solidFill>
-                <a:schemeClr val="accent2">
-                  <a:lumMod val="50000"/>
-                </a:schemeClr>
-              </a:solidFill>
-              <a:tailEnd type="triangle"/>
-            </a:ln>
-          </p:spPr>
-          <p:style>
-            <a:lnRef idx="1">
-              <a:schemeClr val="accent1"/>
-            </a:lnRef>
-            <a:fillRef idx="0">
-              <a:schemeClr val="accent1"/>
-            </a:fillRef>
-            <a:effectRef idx="0">
-              <a:schemeClr val="accent1"/>
-            </a:effectRef>
-            <a:fontRef idx="minor">
-              <a:schemeClr val="tx1"/>
-            </a:fontRef>
-          </p:style>
-        </p:cxnSp>
-        <p:cxnSp>
-          <p:nvCxnSpPr>
-            <p:cNvPr id="38" name="Straight Arrow Connector 37">
-              <a:extLst>
-                <a:ext uri="{FF2B5EF4-FFF2-40B4-BE49-F238E27FC236}">
-                  <a16:creationId xmlns:a16="http://schemas.microsoft.com/office/drawing/2014/main" id="{780784E9-40BB-414D-98C1-C66483C266BB}"/>
-                </a:ext>
-              </a:extLst>
-            </p:cNvPr>
-            <p:cNvCxnSpPr>
-              <a:cxnSpLocks/>
-            </p:cNvCxnSpPr>
-            <p:nvPr/>
-          </p:nvCxnSpPr>
-          <p:spPr>
-            <a:xfrm flipH="1">
-              <a:off x="3551544" y="2454569"/>
-              <a:ext cx="1" cy="112715"/>
-            </a:xfrm>
-            <a:prstGeom prst="straightConnector1">
-              <a:avLst/>
-            </a:prstGeom>
-            <a:ln w="12700">
-              <a:solidFill>
-                <a:schemeClr val="accent2">
-                  <a:lumMod val="50000"/>
-                </a:schemeClr>
-              </a:solidFill>
-              <a:tailEnd type="triangle"/>
-            </a:ln>
-          </p:spPr>
-          <p:style>
-            <a:lnRef idx="1">
-              <a:schemeClr val="accent1"/>
-            </a:lnRef>
-            <a:fillRef idx="0">
-              <a:schemeClr val="accent1"/>
-            </a:fillRef>
-            <a:effectRef idx="0">
-              <a:schemeClr val="accent1"/>
-            </a:effectRef>
-            <a:fontRef idx="minor">
-              <a:schemeClr val="tx1"/>
-            </a:fontRef>
-          </p:style>
-        </p:cxnSp>
-        <p:cxnSp>
-          <p:nvCxnSpPr>
-            <p:cNvPr id="39" name="Straight Arrow Connector 38">
-              <a:extLst>
-                <a:ext uri="{FF2B5EF4-FFF2-40B4-BE49-F238E27FC236}">
-                  <a16:creationId xmlns:a16="http://schemas.microsoft.com/office/drawing/2014/main" id="{6B2F43AD-0820-8D40-B8B1-3EA6679F1285}"/>
-                </a:ext>
-              </a:extLst>
-            </p:cNvPr>
-            <p:cNvCxnSpPr>
-              <a:cxnSpLocks/>
-            </p:cNvCxnSpPr>
-            <p:nvPr/>
-          </p:nvCxnSpPr>
-          <p:spPr>
-            <a:xfrm flipH="1">
-              <a:off x="3562977" y="3277873"/>
-              <a:ext cx="1" cy="112715"/>
-            </a:xfrm>
-            <a:prstGeom prst="straightConnector1">
-              <a:avLst/>
-            </a:prstGeom>
-            <a:ln w="12700">
-              <a:solidFill>
-                <a:schemeClr val="accent2">
-                  <a:lumMod val="50000"/>
-                </a:schemeClr>
-              </a:solidFill>
-              <a:tailEnd type="triangle"/>
-            </a:ln>
-          </p:spPr>
-          <p:style>
-            <a:lnRef idx="1">
-              <a:schemeClr val="accent1"/>
-            </a:lnRef>
-            <a:fillRef idx="0">
-              <a:schemeClr val="accent1"/>
-            </a:fillRef>
-            <a:effectRef idx="0">
-              <a:schemeClr val="accent1"/>
-            </a:effectRef>
-            <a:fontRef idx="minor">
-              <a:schemeClr val="tx1"/>
-            </a:fontRef>
-          </p:style>
-        </p:cxnSp>
-        <p:cxnSp>
-          <p:nvCxnSpPr>
-            <p:cNvPr id="40" name="Straight Arrow Connector 39">
-              <a:extLst>
-                <a:ext uri="{FF2B5EF4-FFF2-40B4-BE49-F238E27FC236}">
-                  <a16:creationId xmlns:a16="http://schemas.microsoft.com/office/drawing/2014/main" id="{B563DB8E-00AE-6E44-BD4A-17EF3845F799}"/>
-                </a:ext>
-              </a:extLst>
-            </p:cNvPr>
-            <p:cNvCxnSpPr>
-              <a:cxnSpLocks/>
-            </p:cNvCxnSpPr>
-            <p:nvPr/>
-          </p:nvCxnSpPr>
-          <p:spPr>
-            <a:xfrm flipH="1">
-              <a:off x="3551543" y="4095598"/>
-              <a:ext cx="1" cy="112715"/>
-            </a:xfrm>
-            <a:prstGeom prst="straightConnector1">
-              <a:avLst/>
-            </a:prstGeom>
-            <a:ln w="12700">
-              <a:solidFill>
-                <a:schemeClr val="accent2">
-                  <a:lumMod val="50000"/>
-                </a:schemeClr>
-              </a:solidFill>
-              <a:tailEnd type="triangle"/>
-            </a:ln>
-          </p:spPr>
-          <p:style>
-            <a:lnRef idx="1">
-              <a:schemeClr val="accent1"/>
-            </a:lnRef>
-            <a:fillRef idx="0">
-              <a:schemeClr val="accent1"/>
-            </a:fillRef>
-            <a:effectRef idx="0">
-              <a:schemeClr val="accent1"/>
-            </a:effectRef>
-            <a:fontRef idx="minor">
-              <a:schemeClr val="tx1"/>
-            </a:fontRef>
-          </p:style>
-        </p:cxnSp>
-        <p:cxnSp>
-          <p:nvCxnSpPr>
-            <p:cNvPr id="41" name="Straight Arrow Connector 40">
-              <a:extLst>
-                <a:ext uri="{FF2B5EF4-FFF2-40B4-BE49-F238E27FC236}">
-                  <a16:creationId xmlns:a16="http://schemas.microsoft.com/office/drawing/2014/main" id="{41FEF62A-BCB7-114A-9509-85416814B5BA}"/>
-                </a:ext>
-              </a:extLst>
-            </p:cNvPr>
-            <p:cNvCxnSpPr>
-              <a:cxnSpLocks/>
-            </p:cNvCxnSpPr>
-            <p:nvPr/>
-          </p:nvCxnSpPr>
-          <p:spPr>
-            <a:xfrm flipH="1">
-              <a:off x="3551542" y="4914200"/>
-              <a:ext cx="1" cy="112715"/>
-            </a:xfrm>
-            <a:prstGeom prst="straightConnector1">
-              <a:avLst/>
-            </a:prstGeom>
-            <a:ln w="12700">
-              <a:solidFill>
-                <a:schemeClr val="accent2">
-                  <a:lumMod val="50000"/>
-                </a:schemeClr>
-              </a:solidFill>
-              <a:tailEnd type="triangle"/>
-            </a:ln>
-          </p:spPr>
-          <p:style>
-            <a:lnRef idx="1">
-              <a:schemeClr val="accent1"/>
-            </a:lnRef>
-            <a:fillRef idx="0">
-              <a:schemeClr val="accent1"/>
-            </a:fillRef>
-            <a:effectRef idx="0">
-              <a:schemeClr val="accent1"/>
-            </a:effectRef>
-            <a:fontRef idx="minor">
-              <a:schemeClr val="tx1"/>
-            </a:fontRef>
-          </p:style>
-        </p:cxnSp>
-        <p:cxnSp>
-          <p:nvCxnSpPr>
-            <p:cNvPr id="42" name="Straight Arrow Connector 41">
-              <a:extLst>
-                <a:ext uri="{FF2B5EF4-FFF2-40B4-BE49-F238E27FC236}">
-                  <a16:creationId xmlns:a16="http://schemas.microsoft.com/office/drawing/2014/main" id="{67C86BF3-ACF2-E94B-A037-A1A4FC43ABC5}"/>
-                </a:ext>
-              </a:extLst>
-            </p:cNvPr>
-            <p:cNvCxnSpPr>
-              <a:cxnSpLocks/>
-            </p:cNvCxnSpPr>
-            <p:nvPr/>
-          </p:nvCxnSpPr>
-          <p:spPr>
-            <a:xfrm flipH="1">
-              <a:off x="3562977" y="5726990"/>
-              <a:ext cx="1" cy="112715"/>
-            </a:xfrm>
-            <a:prstGeom prst="straightConnector1">
-              <a:avLst/>
-            </a:prstGeom>
-            <a:ln w="12700">
-              <a:solidFill>
-                <a:schemeClr val="accent2">
-                  <a:lumMod val="50000"/>
-                </a:schemeClr>
-              </a:solidFill>
-              <a:tailEnd type="triangle"/>
-            </a:ln>
-          </p:spPr>
-          <p:style>
-            <a:lnRef idx="1">
-              <a:schemeClr val="accent1"/>
-            </a:lnRef>
-            <a:fillRef idx="0">
-              <a:schemeClr val="accent1"/>
-            </a:fillRef>
-            <a:effectRef idx="0">
-              <a:schemeClr val="accent1"/>
-            </a:effectRef>
-            <a:fontRef idx="minor">
-              <a:schemeClr val="tx1"/>
-            </a:fontRef>
-          </p:style>
-        </p:cxnSp>
-        <p:cxnSp>
-          <p:nvCxnSpPr>
-            <p:cNvPr id="43" name="Straight Arrow Connector 42">
-              <a:extLst>
-                <a:ext uri="{FF2B5EF4-FFF2-40B4-BE49-F238E27FC236}">
-                  <a16:creationId xmlns:a16="http://schemas.microsoft.com/office/drawing/2014/main" id="{23C58C90-C478-2045-83CD-78948174BF79}"/>
-                </a:ext>
-              </a:extLst>
-            </p:cNvPr>
-            <p:cNvCxnSpPr>
-              <a:cxnSpLocks/>
-            </p:cNvCxnSpPr>
-            <p:nvPr/>
-          </p:nvCxnSpPr>
-          <p:spPr>
-            <a:xfrm flipH="1">
-              <a:off x="6096000" y="2128380"/>
-              <a:ext cx="1" cy="112715"/>
-            </a:xfrm>
-            <a:prstGeom prst="straightConnector1">
-              <a:avLst/>
-            </a:prstGeom>
-            <a:ln w="12700">
-              <a:solidFill>
-                <a:schemeClr val="accent6">
-                  <a:lumMod val="50000"/>
-                </a:schemeClr>
-              </a:solidFill>
-              <a:tailEnd type="triangle"/>
-            </a:ln>
-          </p:spPr>
-          <p:style>
-            <a:lnRef idx="1">
-              <a:schemeClr val="accent1"/>
-            </a:lnRef>
-            <a:fillRef idx="0">
-              <a:schemeClr val="accent1"/>
-            </a:fillRef>
-            <a:effectRef idx="0">
-              <a:schemeClr val="accent1"/>
-            </a:effectRef>
-            <a:fontRef idx="minor">
-              <a:schemeClr val="tx1"/>
-            </a:fontRef>
-          </p:style>
-        </p:cxnSp>
-        <p:cxnSp>
-          <p:nvCxnSpPr>
-            <p:cNvPr id="44" name="Straight Arrow Connector 43">
-              <a:extLst>
-                <a:ext uri="{FF2B5EF4-FFF2-40B4-BE49-F238E27FC236}">
-                  <a16:creationId xmlns:a16="http://schemas.microsoft.com/office/drawing/2014/main" id="{7D515CBB-49A0-1043-9ED5-37C26C291A24}"/>
-                </a:ext>
-              </a:extLst>
-            </p:cNvPr>
-            <p:cNvCxnSpPr>
-              <a:cxnSpLocks/>
-            </p:cNvCxnSpPr>
-            <p:nvPr/>
-          </p:nvCxnSpPr>
-          <p:spPr>
-            <a:xfrm flipH="1">
-              <a:off x="6131633" y="2937954"/>
-              <a:ext cx="1" cy="112715"/>
-            </a:xfrm>
-            <a:prstGeom prst="straightConnector1">
-              <a:avLst/>
-            </a:prstGeom>
-            <a:ln w="12700">
-              <a:solidFill>
-                <a:schemeClr val="accent6">
-                  <a:lumMod val="50000"/>
-                </a:schemeClr>
-              </a:solidFill>
-              <a:tailEnd type="triangle"/>
-            </a:ln>
-          </p:spPr>
-          <p:style>
-            <a:lnRef idx="1">
-              <a:schemeClr val="accent1"/>
-            </a:lnRef>
-            <a:fillRef idx="0">
-              <a:schemeClr val="accent1"/>
-            </a:fillRef>
-            <a:effectRef idx="0">
-              <a:schemeClr val="accent1"/>
-            </a:effectRef>
-            <a:fontRef idx="minor">
-              <a:schemeClr val="tx1"/>
-            </a:fontRef>
-          </p:style>
-        </p:cxnSp>
-        <p:cxnSp>
-          <p:nvCxnSpPr>
-            <p:cNvPr id="46" name="Straight Arrow Connector 45">
-              <a:extLst>
-                <a:ext uri="{FF2B5EF4-FFF2-40B4-BE49-F238E27FC236}">
-                  <a16:creationId xmlns:a16="http://schemas.microsoft.com/office/drawing/2014/main" id="{CEDA4703-FAF9-4E48-8A71-D9474182B020}"/>
-                </a:ext>
-              </a:extLst>
-            </p:cNvPr>
-            <p:cNvCxnSpPr>
-              <a:cxnSpLocks/>
-            </p:cNvCxnSpPr>
-            <p:nvPr/>
-          </p:nvCxnSpPr>
-          <p:spPr>
-            <a:xfrm flipH="1">
-              <a:off x="6112930" y="3732827"/>
-              <a:ext cx="1" cy="112715"/>
-            </a:xfrm>
-            <a:prstGeom prst="straightConnector1">
-              <a:avLst/>
-            </a:prstGeom>
-            <a:ln w="12700">
-              <a:solidFill>
-                <a:schemeClr val="accent6">
-                  <a:lumMod val="50000"/>
-                </a:schemeClr>
-              </a:solidFill>
-              <a:tailEnd type="triangle"/>
-            </a:ln>
-          </p:spPr>
-          <p:style>
-            <a:lnRef idx="1">
-              <a:schemeClr val="accent1"/>
-            </a:lnRef>
-            <a:fillRef idx="0">
-              <a:schemeClr val="accent1"/>
-            </a:fillRef>
-            <a:effectRef idx="0">
-              <a:schemeClr val="accent1"/>
-            </a:effectRef>
-            <a:fontRef idx="minor">
-              <a:schemeClr val="tx1"/>
-            </a:fontRef>
-          </p:style>
-        </p:cxnSp>
-        <p:cxnSp>
-          <p:nvCxnSpPr>
-            <p:cNvPr id="47" name="Straight Arrow Connector 46">
-              <a:extLst>
-                <a:ext uri="{FF2B5EF4-FFF2-40B4-BE49-F238E27FC236}">
-                  <a16:creationId xmlns:a16="http://schemas.microsoft.com/office/drawing/2014/main" id="{C558D2B1-B7B2-BC46-B578-26E9CB385DEC}"/>
-                </a:ext>
-              </a:extLst>
-            </p:cNvPr>
-            <p:cNvCxnSpPr>
-              <a:cxnSpLocks/>
-            </p:cNvCxnSpPr>
-            <p:nvPr/>
-          </p:nvCxnSpPr>
-          <p:spPr>
-            <a:xfrm flipH="1">
-              <a:off x="6127877" y="4542826"/>
-              <a:ext cx="1" cy="112715"/>
-            </a:xfrm>
-            <a:prstGeom prst="straightConnector1">
-              <a:avLst/>
-            </a:prstGeom>
-            <a:ln w="12700">
-              <a:solidFill>
-                <a:schemeClr val="accent6">
-                  <a:lumMod val="50000"/>
-                </a:schemeClr>
-              </a:solidFill>
-              <a:tailEnd type="triangle"/>
-            </a:ln>
-          </p:spPr>
-          <p:style>
-            <a:lnRef idx="1">
-              <a:schemeClr val="accent1"/>
-            </a:lnRef>
-            <a:fillRef idx="0">
-              <a:schemeClr val="accent1"/>
-            </a:fillRef>
-            <a:effectRef idx="0">
-              <a:schemeClr val="accent1"/>
-            </a:effectRef>
-            <a:fontRef idx="minor">
-              <a:schemeClr val="tx1"/>
-            </a:fontRef>
-          </p:style>
-        </p:cxnSp>
-        <p:cxnSp>
-          <p:nvCxnSpPr>
-            <p:cNvPr id="48" name="Straight Arrow Connector 47">
-              <a:extLst>
-                <a:ext uri="{FF2B5EF4-FFF2-40B4-BE49-F238E27FC236}">
-                  <a16:creationId xmlns:a16="http://schemas.microsoft.com/office/drawing/2014/main" id="{243B97BB-E71A-FD49-B3BA-6E2C51C41CBE}"/>
-                </a:ext>
-              </a:extLst>
-            </p:cNvPr>
-            <p:cNvCxnSpPr>
-              <a:cxnSpLocks/>
-            </p:cNvCxnSpPr>
-            <p:nvPr/>
-          </p:nvCxnSpPr>
-          <p:spPr>
-            <a:xfrm flipH="1">
-              <a:off x="6127876" y="5328597"/>
-              <a:ext cx="1" cy="112715"/>
-            </a:xfrm>
-            <a:prstGeom prst="straightConnector1">
-              <a:avLst/>
-            </a:prstGeom>
-            <a:ln w="12700">
-              <a:solidFill>
-                <a:schemeClr val="accent6">
-                  <a:lumMod val="50000"/>
-                </a:schemeClr>
-              </a:solidFill>
-              <a:tailEnd type="triangle"/>
-            </a:ln>
-          </p:spPr>
-          <p:style>
-            <a:lnRef idx="1">
-              <a:schemeClr val="accent1"/>
-            </a:lnRef>
-            <a:fillRef idx="0">
-              <a:schemeClr val="accent1"/>
-            </a:fillRef>
-            <a:effectRef idx="0">
-              <a:schemeClr val="accent1"/>
-            </a:effectRef>
-            <a:fontRef idx="minor">
-              <a:schemeClr val="tx1"/>
-            </a:fontRef>
-          </p:style>
-        </p:cxnSp>
-        <p:cxnSp>
-          <p:nvCxnSpPr>
-            <p:cNvPr id="49" name="Straight Arrow Connector 48">
-              <a:extLst>
-                <a:ext uri="{FF2B5EF4-FFF2-40B4-BE49-F238E27FC236}">
-                  <a16:creationId xmlns:a16="http://schemas.microsoft.com/office/drawing/2014/main" id="{F0DA3B28-4689-7449-964C-4EF9CC901CFA}"/>
-                </a:ext>
-              </a:extLst>
-            </p:cNvPr>
-            <p:cNvCxnSpPr>
-              <a:cxnSpLocks/>
-            </p:cNvCxnSpPr>
-            <p:nvPr/>
-          </p:nvCxnSpPr>
-          <p:spPr>
-            <a:xfrm flipH="1">
-              <a:off x="8597987" y="3778721"/>
-              <a:ext cx="1" cy="112715"/>
-            </a:xfrm>
-            <a:prstGeom prst="straightConnector1">
-              <a:avLst/>
-            </a:prstGeom>
-            <a:ln w="12700">
-              <a:solidFill>
-                <a:schemeClr val="bg2">
-                  <a:lumMod val="25000"/>
-                </a:schemeClr>
-              </a:solidFill>
-              <a:tailEnd type="triangle"/>
-            </a:ln>
-          </p:spPr>
-          <p:style>
-            <a:lnRef idx="1">
-              <a:schemeClr val="accent1"/>
-            </a:lnRef>
-            <a:fillRef idx="0">
-              <a:schemeClr val="accent1"/>
-            </a:fillRef>
-            <a:effectRef idx="0">
-              <a:schemeClr val="accent1"/>
-            </a:effectRef>
-            <a:fontRef idx="minor">
-              <a:schemeClr val="tx1"/>
-            </a:fontRef>
-          </p:style>
-        </p:cxnSp>
-        <p:sp>
-          <p:nvSpPr>
-            <p:cNvPr id="53" name="Rounded Rectangle 52">
-              <a:extLst>
-                <a:ext uri="{FF2B5EF4-FFF2-40B4-BE49-F238E27FC236}">
-                  <a16:creationId xmlns:a16="http://schemas.microsoft.com/office/drawing/2014/main" id="{2BF7DDDB-2B9F-AD9E-5A35-CC52DD005102}"/>
-                </a:ext>
-              </a:extLst>
-            </p:cNvPr>
-            <p:cNvSpPr/>
-            <p:nvPr/>
-          </p:nvSpPr>
-          <p:spPr>
-            <a:xfrm>
-              <a:off x="7736139" y="4725874"/>
-              <a:ext cx="1723697" cy="676602"/>
-            </a:xfrm>
-            <a:prstGeom prst="roundRect">
-              <a:avLst/>
-            </a:prstGeom>
-            <a:solidFill>
-              <a:schemeClr val="bg1">
-                <a:lumMod val="75000"/>
-              </a:schemeClr>
-            </a:solidFill>
-            <a:ln>
-              <a:solidFill>
-                <a:schemeClr val="bg2">
-                  <a:lumMod val="25000"/>
-                </a:schemeClr>
-              </a:solidFill>
-            </a:ln>
-          </p:spPr>
-          <p:style>
-            <a:lnRef idx="2">
-              <a:schemeClr val="accent1">
-                <a:shade val="50000"/>
-              </a:schemeClr>
-            </a:lnRef>
-            <a:fillRef idx="1">
-              <a:schemeClr val="accent1"/>
-            </a:fillRef>
-            <a:effectRef idx="0">
-              <a:schemeClr val="accent1"/>
-            </a:effectRef>
-            <a:fontRef idx="minor">
-              <a:schemeClr val="lt1"/>
-            </a:fontRef>
-          </p:style>
-          <p:txBody>
-            <a:bodyPr rtlCol="0" anchor="ctr"/>
-            <a:lstStyle/>
-            <a:p>
-              <a:pPr algn="ctr"/>
-              <a:r>
-                <a:rPr lang="en-GB" sz="1400" dirty="0">
-                  <a:solidFill>
-                    <a:schemeClr val="bg2">
-                      <a:lumMod val="25000"/>
-                    </a:schemeClr>
-                  </a:solidFill>
-                </a:rPr>
-                <a:t>QC-Plots</a:t>
-              </a:r>
-            </a:p>
-          </p:txBody>
-        </p:sp>
-        <p:cxnSp>
-          <p:nvCxnSpPr>
-            <p:cNvPr id="54" name="Straight Arrow Connector 53">
-              <a:extLst>
-                <a:ext uri="{FF2B5EF4-FFF2-40B4-BE49-F238E27FC236}">
-                  <a16:creationId xmlns:a16="http://schemas.microsoft.com/office/drawing/2014/main" id="{8E310F26-80E5-81E7-8994-1034A499B49E}"/>
-                </a:ext>
-              </a:extLst>
-            </p:cNvPr>
-            <p:cNvCxnSpPr>
-              <a:cxnSpLocks/>
-            </p:cNvCxnSpPr>
-            <p:nvPr/>
-          </p:nvCxnSpPr>
-          <p:spPr>
-            <a:xfrm flipH="1">
-              <a:off x="8591592" y="4613159"/>
-              <a:ext cx="1" cy="112715"/>
-            </a:xfrm>
-            <a:prstGeom prst="straightConnector1">
-              <a:avLst/>
-            </a:prstGeom>
-            <a:ln w="12700">
-              <a:solidFill>
-                <a:schemeClr val="tx1"/>
-              </a:solidFill>
-              <a:tailEnd type="triangle"/>
-            </a:ln>
-          </p:spPr>
-          <p:style>
-            <a:lnRef idx="1">
-              <a:schemeClr val="accent1"/>
-            </a:lnRef>
-            <a:fillRef idx="0">
-              <a:schemeClr val="accent1"/>
-            </a:fillRef>
-            <a:effectRef idx="0">
-              <a:schemeClr val="accent1"/>
-            </a:effectRef>
-            <a:fontRef idx="minor">
-              <a:schemeClr val="tx1"/>
-            </a:fontRef>
-          </p:style>
-        </p:cxnSp>
-      </p:grpSp>
-      <p:sp>
-        <p:nvSpPr>
-          <p:cNvPr id="61" name="Bent Up Arrow 60">
-            <a:extLst>
-              <a:ext uri="{FF2B5EF4-FFF2-40B4-BE49-F238E27FC236}">
-                <a16:creationId xmlns:a16="http://schemas.microsoft.com/office/drawing/2014/main" id="{BD8477D4-AFB9-2B43-0D7A-E71B12E3C840}"/>
-              </a:ext>
-            </a:extLst>
-          </p:cNvPr>
-          <p:cNvSpPr/>
-          <p:nvPr/>
-        </p:nvSpPr>
-        <p:spPr>
-          <a:xfrm rot="16200000" flipV="1">
-            <a:off x="2233256" y="2167669"/>
-            <a:ext cx="2579028" cy="378591"/>
-          </a:xfrm>
-          <a:prstGeom prst="bentUpArrow">
-            <a:avLst>
-              <a:gd name="adj1" fmla="val 12987"/>
-              <a:gd name="adj2" fmla="val 25000"/>
-              <a:gd name="adj3" fmla="val 25000"/>
-            </a:avLst>
-          </a:prstGeom>
-          <a:solidFill>
-            <a:schemeClr val="tx1">
-              <a:lumMod val="50000"/>
-              <a:lumOff val="50000"/>
-            </a:schemeClr>
-          </a:solidFill>
-          <a:ln>
-            <a:noFill/>
-          </a:ln>
-        </p:spPr>
-        <p:style>
-          <a:lnRef idx="2">
-            <a:schemeClr val="accent1">
-              <a:shade val="50000"/>
-            </a:schemeClr>
-          </a:lnRef>
-          <a:fillRef idx="1">
-            <a:schemeClr val="accent1"/>
-          </a:fillRef>
-          <a:effectRef idx="0">
-            <a:schemeClr val="accent1"/>
-          </a:effectRef>
-          <a:fontRef idx="minor">
-            <a:schemeClr val="lt1"/>
-          </a:fontRef>
-        </p:style>
-        <p:txBody>
-          <a:bodyPr rtlCol="0" anchor="ctr"/>
-          <a:lstStyle/>
-          <a:p>
-            <a:pPr algn="ctr"/>
+            <a:off x="838200" y="18255"/>
+            <a:ext cx="10515600" cy="1325563"/>
+          </a:xfrm>
+        </p:spPr>
+        <p:txBody>
+          <a:bodyPr/>
+          <a:lstStyle/>
+          <a:p>
+            <a:r>
+              <a:rPr lang="en-GB" dirty="0">
+                <a:latin typeface="+mn-lt"/>
+              </a:rPr>
+              <a:t>Alignment</a:t>
+            </a:r>
+          </a:p>
+        </p:txBody>
+      </p:sp>
+      <p:sp>
+        <p:nvSpPr>
+          <p:cNvPr id="3" name="Content Placeholder 2">
+            <a:extLst>
+              <a:ext uri="{FF2B5EF4-FFF2-40B4-BE49-F238E27FC236}">
+                <a16:creationId xmlns:a16="http://schemas.microsoft.com/office/drawing/2014/main" id="{9B43611E-5D95-4642-9D0A-F396ED9EC34C}"/>
+              </a:ext>
+            </a:extLst>
+          </p:cNvPr>
+          <p:cNvSpPr>
+            <a:spLocks noGrp="1"/>
+          </p:cNvSpPr>
+          <p:nvPr>
+            <p:ph idx="1"/>
+          </p:nvPr>
+        </p:nvSpPr>
+        <p:spPr>
+          <a:xfrm>
+            <a:off x="838200" y="1343818"/>
+            <a:ext cx="10515600" cy="5361782"/>
+          </a:xfrm>
+        </p:spPr>
+        <p:txBody>
+          <a:bodyPr/>
+          <a:lstStyle/>
+          <a:p>
+            <a:pPr marL="514350" indent="-514350">
+              <a:buFont typeface="+mj-lt"/>
+              <a:buAutoNum type="arabicParenR"/>
+            </a:pPr>
+            <a:r>
+              <a:rPr lang="en-GB" dirty="0">
+                <a:latin typeface="+mj-lt"/>
+              </a:rPr>
+              <a:t>Run </a:t>
+            </a:r>
+            <a:r>
+              <a:rPr lang="en-GB" dirty="0" err="1">
+                <a:latin typeface="+mj-lt"/>
+              </a:rPr>
+              <a:t>TrimGalore</a:t>
+            </a:r>
+            <a:r>
+              <a:rPr lang="en-GB" dirty="0">
+                <a:latin typeface="+mj-lt"/>
+              </a:rPr>
+              <a:t> </a:t>
+            </a:r>
+            <a:r>
+              <a:rPr lang="en-GB" sz="2000" dirty="0">
+                <a:latin typeface="+mj-lt"/>
+              </a:rPr>
+              <a:t>(wrapper tool around </a:t>
+            </a:r>
+            <a:r>
+              <a:rPr lang="en-GB" sz="2000" dirty="0" err="1">
+                <a:latin typeface="+mj-lt"/>
+              </a:rPr>
+              <a:t>cutadapt</a:t>
+            </a:r>
+            <a:r>
+              <a:rPr lang="en-GB" sz="2000" dirty="0">
+                <a:latin typeface="+mj-lt"/>
+              </a:rPr>
+              <a:t> and </a:t>
+            </a:r>
+            <a:r>
+              <a:rPr lang="en-GB" sz="2000" dirty="0" err="1">
+                <a:latin typeface="+mj-lt"/>
+              </a:rPr>
+              <a:t>fastqc</a:t>
+            </a:r>
+            <a:r>
+              <a:rPr lang="en-GB" sz="2000" dirty="0">
+                <a:latin typeface="+mj-lt"/>
+              </a:rPr>
+              <a:t>) </a:t>
+            </a:r>
+            <a:r>
+              <a:rPr lang="en-GB" dirty="0">
+                <a:latin typeface="+mj-lt"/>
+              </a:rPr>
+              <a:t>to clip adapter sequences from reads</a:t>
+            </a:r>
+          </a:p>
+          <a:p>
+            <a:pPr marL="514350" indent="-514350">
+              <a:buFont typeface="+mj-lt"/>
+              <a:buAutoNum type="arabicParenR"/>
+            </a:pPr>
+            <a:r>
+              <a:rPr lang="en-GB" dirty="0">
+                <a:latin typeface="+mj-lt"/>
+              </a:rPr>
+              <a:t>Run bwa mem to align </a:t>
+            </a:r>
+            <a:r>
+              <a:rPr lang="en-GB" dirty="0" err="1">
+                <a:latin typeface="+mj-lt"/>
+              </a:rPr>
+              <a:t>fastq</a:t>
+            </a:r>
+            <a:r>
+              <a:rPr lang="en-GB" dirty="0">
+                <a:latin typeface="+mj-lt"/>
+              </a:rPr>
+              <a:t> files to hg19</a:t>
+            </a:r>
+          </a:p>
+          <a:p>
+            <a:pPr marL="514350" indent="-514350">
+              <a:buFont typeface="+mj-lt"/>
+              <a:buAutoNum type="arabicParenR"/>
+            </a:pPr>
+            <a:r>
+              <a:rPr lang="en-GB" dirty="0">
+                <a:latin typeface="+mj-lt"/>
+              </a:rPr>
+              <a:t>Run </a:t>
+            </a:r>
+            <a:r>
+              <a:rPr lang="en-GB" dirty="0" err="1">
+                <a:latin typeface="+mj-lt"/>
+              </a:rPr>
+              <a:t>samtools</a:t>
+            </a:r>
+            <a:r>
+              <a:rPr lang="en-GB" dirty="0">
+                <a:latin typeface="+mj-lt"/>
+              </a:rPr>
+              <a:t> stats to calculate alignment statistics</a:t>
+            </a:r>
+          </a:p>
+          <a:p>
+            <a:pPr marL="514350" indent="-514350">
+              <a:buFont typeface="+mj-lt"/>
+              <a:buAutoNum type="arabicParenR"/>
+            </a:pPr>
+            <a:r>
+              <a:rPr lang="en-GB" dirty="0">
+                <a:latin typeface="+mj-lt"/>
+              </a:rPr>
+              <a:t>Merge multiple bam files if necessary with </a:t>
+            </a:r>
+            <a:r>
+              <a:rPr lang="en-GB" dirty="0" err="1">
+                <a:latin typeface="+mj-lt"/>
+              </a:rPr>
+              <a:t>samtools</a:t>
+            </a:r>
+            <a:r>
+              <a:rPr lang="en-GB" dirty="0">
+                <a:latin typeface="+mj-lt"/>
+              </a:rPr>
+              <a:t> merge</a:t>
+            </a:r>
+          </a:p>
+          <a:p>
+            <a:pPr marL="514350" indent="-514350">
+              <a:buFont typeface="+mj-lt"/>
+              <a:buAutoNum type="arabicParenR"/>
+            </a:pPr>
+            <a:r>
+              <a:rPr lang="en-GB" dirty="0">
+                <a:latin typeface="+mj-lt"/>
+              </a:rPr>
+              <a:t>Filter </a:t>
+            </a:r>
+            <a:r>
+              <a:rPr lang="en-GB" dirty="0" err="1">
+                <a:latin typeface="+mj-lt"/>
+              </a:rPr>
+              <a:t>bams</a:t>
+            </a:r>
+            <a:r>
+              <a:rPr lang="en-GB" dirty="0">
+                <a:latin typeface="+mj-lt"/>
+              </a:rPr>
+              <a:t> by alignment quality </a:t>
+            </a:r>
+            <a:r>
+              <a:rPr lang="en-GB" sz="2000" dirty="0">
+                <a:latin typeface="+mj-lt"/>
+              </a:rPr>
+              <a:t>(exclude reads with mapping quality &lt; 20)</a:t>
+            </a:r>
+            <a:r>
+              <a:rPr lang="en-GB" dirty="0">
+                <a:latin typeface="+mj-lt"/>
+              </a:rPr>
+              <a:t> and sort the </a:t>
+            </a:r>
+            <a:r>
+              <a:rPr lang="en-GB" dirty="0" err="1">
+                <a:latin typeface="+mj-lt"/>
+              </a:rPr>
+              <a:t>bams</a:t>
+            </a:r>
+            <a:endParaRPr lang="en-GB" dirty="0">
+              <a:latin typeface="+mj-lt"/>
+            </a:endParaRPr>
+          </a:p>
+          <a:p>
+            <a:pPr marL="514350" indent="-514350">
+              <a:buFont typeface="+mj-lt"/>
+              <a:buAutoNum type="arabicParenR"/>
+            </a:pPr>
+            <a:r>
+              <a:rPr lang="en-GB" dirty="0">
+                <a:latin typeface="+mj-lt"/>
+              </a:rPr>
+              <a:t>Run step 3) again</a:t>
+            </a:r>
+          </a:p>
+          <a:p>
+            <a:pPr marL="514350" indent="-514350">
+              <a:buFont typeface="+mj-lt"/>
+              <a:buAutoNum type="arabicParenR"/>
+            </a:pPr>
+            <a:r>
+              <a:rPr lang="en-GB" dirty="0">
+                <a:latin typeface="+mj-lt"/>
+              </a:rPr>
+              <a:t>Remove duplicated reads with </a:t>
+            </a:r>
+            <a:r>
+              <a:rPr lang="en-GB" dirty="0" err="1">
+                <a:latin typeface="+mj-lt"/>
+              </a:rPr>
+              <a:t>samtools</a:t>
+            </a:r>
+            <a:r>
+              <a:rPr lang="en-GB" dirty="0">
+                <a:latin typeface="+mj-lt"/>
+              </a:rPr>
+              <a:t> </a:t>
+            </a:r>
+            <a:r>
+              <a:rPr lang="en-GB" dirty="0" err="1">
+                <a:latin typeface="+mj-lt"/>
+              </a:rPr>
+              <a:t>rmdup</a:t>
+            </a:r>
+            <a:r>
+              <a:rPr lang="en-GB" dirty="0">
+                <a:latin typeface="+mj-lt"/>
+              </a:rPr>
+              <a:t> and index</a:t>
+            </a:r>
+          </a:p>
+          <a:p>
+            <a:pPr marL="514350" indent="-514350">
+              <a:buFont typeface="+mj-lt"/>
+              <a:buAutoNum type="arabicParenR"/>
+            </a:pPr>
             <a:endParaRPr lang="en-GB" dirty="0"/>
           </a:p>
-        </p:txBody>
-      </p:sp>
-      <p:sp>
-        <p:nvSpPr>
-          <p:cNvPr id="63" name="Bent Up Arrow 62">
-            <a:extLst>
-              <a:ext uri="{FF2B5EF4-FFF2-40B4-BE49-F238E27FC236}">
-                <a16:creationId xmlns:a16="http://schemas.microsoft.com/office/drawing/2014/main" id="{00C11036-1697-82B1-AD1A-3A35F91FAD73}"/>
-              </a:ext>
-            </a:extLst>
-          </p:cNvPr>
-          <p:cNvSpPr/>
-          <p:nvPr/>
-        </p:nvSpPr>
-        <p:spPr>
-          <a:xfrm rot="16200000" flipV="1">
-            <a:off x="3808308" y="3672682"/>
-            <a:ext cx="4561827" cy="378591"/>
-          </a:xfrm>
-          <a:prstGeom prst="bentUpArrow">
-            <a:avLst>
-              <a:gd name="adj1" fmla="val 12987"/>
-              <a:gd name="adj2" fmla="val 25000"/>
-              <a:gd name="adj3" fmla="val 25000"/>
-            </a:avLst>
-          </a:prstGeom>
-          <a:solidFill>
-            <a:schemeClr val="tx1">
-              <a:lumMod val="50000"/>
-              <a:lumOff val="50000"/>
-            </a:schemeClr>
-          </a:solidFill>
-          <a:ln>
-            <a:noFill/>
-          </a:ln>
-        </p:spPr>
-        <p:style>
-          <a:lnRef idx="2">
-            <a:schemeClr val="accent1">
-              <a:shade val="50000"/>
-            </a:schemeClr>
-          </a:lnRef>
-          <a:fillRef idx="1">
-            <a:schemeClr val="accent1"/>
-          </a:fillRef>
-          <a:effectRef idx="0">
-            <a:schemeClr val="accent1"/>
-          </a:effectRef>
-          <a:fontRef idx="minor">
-            <a:schemeClr val="lt1"/>
-          </a:fontRef>
-        </p:style>
-        <p:txBody>
-          <a:bodyPr rtlCol="0" anchor="ctr"/>
-          <a:lstStyle/>
-          <a:p>
-            <a:pPr algn="ctr"/>
+          <a:p>
+            <a:pPr marL="514350" indent="-514350">
+              <a:buFont typeface="+mj-lt"/>
+              <a:buAutoNum type="arabicParenR"/>
+            </a:pPr>
             <a:endParaRPr lang="en-GB" dirty="0"/>
-          </a:p>
-        </p:txBody>
-      </p:sp>
-      <p:sp>
-        <p:nvSpPr>
-          <p:cNvPr id="64" name="Rectangle 63">
-            <a:extLst>
-              <a:ext uri="{FF2B5EF4-FFF2-40B4-BE49-F238E27FC236}">
-                <a16:creationId xmlns:a16="http://schemas.microsoft.com/office/drawing/2014/main" id="{17CEFD47-457B-28C9-82AC-AA33045D1D87}"/>
-              </a:ext>
-            </a:extLst>
-          </p:cNvPr>
-          <p:cNvSpPr/>
-          <p:nvPr/>
-        </p:nvSpPr>
-        <p:spPr>
-          <a:xfrm>
-            <a:off x="5497080" y="6091517"/>
-            <a:ext cx="451574" cy="51373"/>
-          </a:xfrm>
-          <a:prstGeom prst="rect">
-            <a:avLst/>
-          </a:prstGeom>
-          <a:solidFill>
-            <a:schemeClr val="tx1">
-              <a:lumMod val="50000"/>
-              <a:lumOff val="50000"/>
-            </a:schemeClr>
-          </a:solidFill>
-          <a:ln>
-            <a:noFill/>
-          </a:ln>
-        </p:spPr>
-        <p:style>
-          <a:lnRef idx="2">
-            <a:schemeClr val="accent1">
-              <a:shade val="50000"/>
-            </a:schemeClr>
-          </a:lnRef>
-          <a:fillRef idx="1">
-            <a:schemeClr val="accent1"/>
-          </a:fillRef>
-          <a:effectRef idx="0">
-            <a:schemeClr val="accent1"/>
-          </a:effectRef>
-          <a:fontRef idx="minor">
-            <a:schemeClr val="lt1"/>
-          </a:fontRef>
-        </p:style>
-        <p:txBody>
-          <a:bodyPr rtlCol="0" anchor="ctr"/>
-          <a:lstStyle/>
-          <a:p>
-            <a:pPr algn="ctr"/>
-            <a:endParaRPr lang="en-GB"/>
-          </a:p>
-        </p:txBody>
-      </p:sp>
-      <p:sp>
-        <p:nvSpPr>
-          <p:cNvPr id="65" name="Rectangle 64">
-            <a:extLst>
-              <a:ext uri="{FF2B5EF4-FFF2-40B4-BE49-F238E27FC236}">
-                <a16:creationId xmlns:a16="http://schemas.microsoft.com/office/drawing/2014/main" id="{88CF9E1A-3D86-5941-3C57-4740740E537A}"/>
-              </a:ext>
-            </a:extLst>
-          </p:cNvPr>
-          <p:cNvSpPr/>
-          <p:nvPr/>
-        </p:nvSpPr>
-        <p:spPr>
-          <a:xfrm>
-            <a:off x="2964962" y="3605140"/>
-            <a:ext cx="419539" cy="57599"/>
-          </a:xfrm>
-          <a:prstGeom prst="rect">
-            <a:avLst/>
-          </a:prstGeom>
-          <a:solidFill>
-            <a:schemeClr val="tx1">
-              <a:lumMod val="50000"/>
-              <a:lumOff val="50000"/>
-            </a:schemeClr>
-          </a:solidFill>
-          <a:ln>
-            <a:noFill/>
-          </a:ln>
-        </p:spPr>
-        <p:style>
-          <a:lnRef idx="2">
-            <a:schemeClr val="accent1">
-              <a:shade val="50000"/>
-            </a:schemeClr>
-          </a:lnRef>
-          <a:fillRef idx="1">
-            <a:schemeClr val="accent1"/>
-          </a:fillRef>
-          <a:effectRef idx="0">
-            <a:schemeClr val="accent1"/>
-          </a:effectRef>
-          <a:fontRef idx="minor">
-            <a:schemeClr val="lt1"/>
-          </a:fontRef>
-        </p:style>
-        <p:txBody>
-          <a:bodyPr rtlCol="0" anchor="ctr"/>
-          <a:lstStyle/>
-          <a:p>
-            <a:pPr algn="ctr"/>
-            <a:endParaRPr lang="en-GB"/>
-          </a:p>
-        </p:txBody>
-      </p:sp>
-      <p:sp>
-        <p:nvSpPr>
-          <p:cNvPr id="66" name="Bent Up Arrow 65">
-            <a:extLst>
-              <a:ext uri="{FF2B5EF4-FFF2-40B4-BE49-F238E27FC236}">
-                <a16:creationId xmlns:a16="http://schemas.microsoft.com/office/drawing/2014/main" id="{1AC06329-71D5-9FE7-28B3-8638CFA51E69}"/>
-              </a:ext>
-            </a:extLst>
-          </p:cNvPr>
-          <p:cNvSpPr/>
-          <p:nvPr/>
-        </p:nvSpPr>
-        <p:spPr>
-          <a:xfrm rot="16200000" flipV="1">
-            <a:off x="7307067" y="4279860"/>
-            <a:ext cx="2523106" cy="378591"/>
-          </a:xfrm>
-          <a:prstGeom prst="bentUpArrow">
-            <a:avLst>
-              <a:gd name="adj1" fmla="val 12987"/>
-              <a:gd name="adj2" fmla="val 25000"/>
-              <a:gd name="adj3" fmla="val 25000"/>
-            </a:avLst>
-          </a:prstGeom>
-          <a:solidFill>
-            <a:schemeClr val="tx1">
-              <a:lumMod val="50000"/>
-              <a:lumOff val="50000"/>
-            </a:schemeClr>
-          </a:solidFill>
-          <a:ln>
-            <a:noFill/>
-          </a:ln>
-        </p:spPr>
-        <p:style>
-          <a:lnRef idx="2">
-            <a:schemeClr val="accent1">
-              <a:shade val="50000"/>
-            </a:schemeClr>
-          </a:lnRef>
-          <a:fillRef idx="1">
-            <a:schemeClr val="accent1"/>
-          </a:fillRef>
-          <a:effectRef idx="0">
-            <a:schemeClr val="accent1"/>
-          </a:effectRef>
-          <a:fontRef idx="minor">
-            <a:schemeClr val="lt1"/>
-          </a:fontRef>
-        </p:style>
-        <p:txBody>
-          <a:bodyPr rtlCol="0" anchor="ctr"/>
-          <a:lstStyle/>
-          <a:p>
-            <a:pPr algn="ctr"/>
-            <a:endParaRPr lang="en-GB" dirty="0"/>
-          </a:p>
-        </p:txBody>
-      </p:sp>
-      <p:sp>
-        <p:nvSpPr>
-          <p:cNvPr id="67" name="Rectangle 66">
-            <a:extLst>
-              <a:ext uri="{FF2B5EF4-FFF2-40B4-BE49-F238E27FC236}">
-                <a16:creationId xmlns:a16="http://schemas.microsoft.com/office/drawing/2014/main" id="{37D58930-150B-FC1D-6D86-63E86EB36629}"/>
-              </a:ext>
-            </a:extLst>
-          </p:cNvPr>
-          <p:cNvSpPr/>
-          <p:nvPr/>
-        </p:nvSpPr>
-        <p:spPr>
-          <a:xfrm>
-            <a:off x="8075197" y="5697273"/>
-            <a:ext cx="351670" cy="45719"/>
-          </a:xfrm>
-          <a:prstGeom prst="rect">
-            <a:avLst/>
-          </a:prstGeom>
-          <a:solidFill>
-            <a:schemeClr val="tx1">
-              <a:lumMod val="50000"/>
-              <a:lumOff val="50000"/>
-            </a:schemeClr>
-          </a:solidFill>
-          <a:ln>
-            <a:noFill/>
-          </a:ln>
-        </p:spPr>
-        <p:style>
-          <a:lnRef idx="2">
-            <a:schemeClr val="accent1">
-              <a:shade val="50000"/>
-            </a:schemeClr>
-          </a:lnRef>
-          <a:fillRef idx="1">
-            <a:schemeClr val="accent1"/>
-          </a:fillRef>
-          <a:effectRef idx="0">
-            <a:schemeClr val="accent1"/>
-          </a:effectRef>
-          <a:fontRef idx="minor">
-            <a:schemeClr val="lt1"/>
-          </a:fontRef>
-        </p:style>
-        <p:txBody>
-          <a:bodyPr rtlCol="0" anchor="ctr"/>
-          <a:lstStyle/>
-          <a:p>
-            <a:pPr algn="ctr"/>
-            <a:endParaRPr lang="en-GB"/>
-          </a:p>
-        </p:txBody>
-      </p:sp>
-      <p:cxnSp>
-        <p:nvCxnSpPr>
-          <p:cNvPr id="68" name="Straight Arrow Connector 67">
-            <a:extLst>
-              <a:ext uri="{FF2B5EF4-FFF2-40B4-BE49-F238E27FC236}">
-                <a16:creationId xmlns:a16="http://schemas.microsoft.com/office/drawing/2014/main" id="{E1091E4B-FF56-654C-370B-2081B20B9A49}"/>
-              </a:ext>
-            </a:extLst>
-          </p:cNvPr>
-          <p:cNvCxnSpPr>
-            <a:cxnSpLocks/>
-          </p:cNvCxnSpPr>
-          <p:nvPr/>
-        </p:nvCxnSpPr>
-        <p:spPr>
-          <a:xfrm flipH="1">
-            <a:off x="2214427" y="3128213"/>
-            <a:ext cx="1" cy="112715"/>
-          </a:xfrm>
-          <a:prstGeom prst="straightConnector1">
-            <a:avLst/>
-          </a:prstGeom>
-          <a:ln w="12700">
-            <a:solidFill>
-              <a:schemeClr val="accent1">
-                <a:lumMod val="75000"/>
-              </a:schemeClr>
-            </a:solidFill>
-            <a:tailEnd type="triangle"/>
-          </a:ln>
-        </p:spPr>
-        <p:style>
-          <a:lnRef idx="1">
-            <a:schemeClr val="accent1"/>
-          </a:lnRef>
-          <a:fillRef idx="0">
-            <a:schemeClr val="accent1"/>
-          </a:fillRef>
-          <a:effectRef idx="0">
-            <a:schemeClr val="accent1"/>
-          </a:effectRef>
-          <a:fontRef idx="minor">
-            <a:schemeClr val="tx1"/>
-          </a:fontRef>
-        </p:style>
-      </p:cxnSp>
-      <p:sp>
-        <p:nvSpPr>
-          <p:cNvPr id="69" name="TextBox 68">
-            <a:extLst>
-              <a:ext uri="{FF2B5EF4-FFF2-40B4-BE49-F238E27FC236}">
-                <a16:creationId xmlns:a16="http://schemas.microsoft.com/office/drawing/2014/main" id="{9ADAE1ED-F8B0-9E0E-3923-4DBAAC4C6C3B}"/>
-              </a:ext>
-            </a:extLst>
-          </p:cNvPr>
-          <p:cNvSpPr txBox="1"/>
-          <p:nvPr/>
-        </p:nvSpPr>
-        <p:spPr>
-          <a:xfrm>
-            <a:off x="1870404" y="2094169"/>
-            <a:ext cx="684803" cy="369332"/>
-          </a:xfrm>
-          <a:prstGeom prst="rect">
-            <a:avLst/>
-          </a:prstGeom>
-          <a:noFill/>
-        </p:spPr>
-        <p:txBody>
-          <a:bodyPr wrap="none" rtlCol="0">
-            <a:spAutoFit/>
-          </a:bodyPr>
-          <a:lstStyle/>
-          <a:p>
-            <a:r>
-              <a:rPr lang="en-GB" dirty="0"/>
-              <a:t>Input</a:t>
-            </a:r>
           </a:p>
         </p:txBody>
       </p:sp>
     </p:spTree>
     <p:extLst>
       <p:ext uri="{BB962C8B-B14F-4D97-AF65-F5344CB8AC3E}">
-        <p14:creationId xmlns:p14="http://schemas.microsoft.com/office/powerpoint/2010/main" val="1371588541"/>
+        <p14:creationId xmlns:p14="http://schemas.microsoft.com/office/powerpoint/2010/main" val="2971136921"/>
       </p:ext>
     </p:extLst>
   </p:cSld>
@@ -8950,7 +6647,7 @@
           <p:cNvPr id="2" name="Title 1">
             <a:extLst>
               <a:ext uri="{FF2B5EF4-FFF2-40B4-BE49-F238E27FC236}">
-                <a16:creationId xmlns:a16="http://schemas.microsoft.com/office/drawing/2014/main" id="{30B4714E-E7F2-CB40-AE2F-6E8801EB43C7}"/>
+                <a16:creationId xmlns:a16="http://schemas.microsoft.com/office/drawing/2014/main" id="{7E49D8B6-B1CF-0646-A70F-50562A162B12}"/>
               </a:ext>
             </a:extLst>
           </p:cNvPr>
@@ -8975,7 +6672,7 @@
               <a:rPr lang="en-GB" dirty="0">
                 <a:latin typeface="+mn-lt"/>
               </a:rPr>
-              <a:t>Alignment</a:t>
+              <a:t>Log2-Ratio</a:t>
             </a:r>
           </a:p>
         </p:txBody>
@@ -8985,7 +6682,7 @@
           <p:cNvPr id="3" name="Content Placeholder 2">
             <a:extLst>
               <a:ext uri="{FF2B5EF4-FFF2-40B4-BE49-F238E27FC236}">
-                <a16:creationId xmlns:a16="http://schemas.microsoft.com/office/drawing/2014/main" id="{9B43611E-5D95-4642-9D0A-F396ED9EC34C}"/>
+                <a16:creationId xmlns:a16="http://schemas.microsoft.com/office/drawing/2014/main" id="{AEFF9417-FDE1-C34E-99F4-85DBE117DE1E}"/>
               </a:ext>
             </a:extLst>
           </p:cNvPr>
@@ -8998,12 +6695,14 @@
         </p:nvSpPr>
         <p:spPr>
           <a:xfrm>
-            <a:off x="838200" y="1343818"/>
-            <a:ext cx="10515600" cy="5361782"/>
-          </a:xfrm>
-        </p:spPr>
-        <p:txBody>
-          <a:bodyPr/>
+            <a:off x="838200" y="1363503"/>
+            <a:ext cx="10515600" cy="5476242"/>
+          </a:xfrm>
+        </p:spPr>
+        <p:txBody>
+          <a:bodyPr>
+            <a:normAutofit/>
+          </a:bodyPr>
           <a:lstStyle/>
           <a:p>
             <a:pPr marL="514350" indent="-514350">
@@ -9014,55 +6713,7 @@
               <a:rPr lang="en-GB" dirty="0">
                 <a:latin typeface="+mj-lt"/>
               </a:rPr>
-              <a:t>Run </a:t>
-            </a:r>
-            <a:r>
-              <a:rPr lang="en-GB" dirty="0" err="1">
-                <a:latin typeface="+mj-lt"/>
-              </a:rPr>
-              <a:t>TrimGalore</a:t>
-            </a:r>
-            <a:r>
-              <a:rPr lang="en-GB" dirty="0">
-                <a:latin typeface="+mj-lt"/>
-              </a:rPr>
-              <a:t> </a:t>
-            </a:r>
-            <a:r>
-              <a:rPr lang="en-GB" sz="2000" dirty="0">
-                <a:latin typeface="+mj-lt"/>
-              </a:rPr>
-              <a:t>(wrapper tool around </a:t>
-            </a:r>
-            <a:r>
-              <a:rPr lang="en-GB" sz="2000" dirty="0" err="1">
-                <a:latin typeface="+mj-lt"/>
-              </a:rPr>
-              <a:t>cutadapt</a:t>
-            </a:r>
-            <a:r>
-              <a:rPr lang="en-GB" sz="2000" dirty="0">
-                <a:latin typeface="+mj-lt"/>
-              </a:rPr>
-              <a:t> and </a:t>
-            </a:r>
-            <a:r>
-              <a:rPr lang="en-GB" sz="2000" dirty="0" err="1">
-                <a:latin typeface="+mj-lt"/>
-              </a:rPr>
-              <a:t>fastqc</a:t>
-            </a:r>
-            <a:r>
-              <a:rPr lang="en-GB" sz="2000" dirty="0">
-                <a:latin typeface="+mj-lt"/>
-              </a:rPr>
-              <a:t>) </a:t>
-            </a:r>
-            <a:r>
-              <a:rPr lang="en-GB" dirty="0">
-                <a:latin typeface="+mj-lt"/>
-              </a:rPr>
-              <a:t>to clip adapter sequences from reads</a:t>
+              <a:t>Calculate RPKM values in 1000bp / 50kb windows</a:t>
             </a:r>
           </a:p>
           <a:p>
@@ -9074,19 +6725,25 @@
               <a:rPr lang="en-GB" dirty="0">
                 <a:latin typeface="+mj-lt"/>
               </a:rPr>
-              <a:t>Run bwa mem to align </a:t>
-            </a:r>
-            <a:r>
-              <a:rPr lang="en-GB" dirty="0" err="1">
+              <a:t>Filter low coverage and high outlier windows</a:t>
+            </a:r>
+          </a:p>
+          <a:p>
+            <a:pPr lvl="1"/>
+            <a:r>
+              <a:rPr lang="en-GB" sz="1800" dirty="0">
                 <a:latin typeface="+mj-lt"/>
               </a:rPr>
-              <a:t>fastq</a:t>
-            </a:r>
-            <a:r>
-              <a:rPr lang="en-GB" dirty="0">
+              <a:t>Filter windows with a sum RPKM value across timings (G1, ES, LS) &lt; 0.1</a:t>
+            </a:r>
+          </a:p>
+          <a:p>
+            <a:pPr lvl="1"/>
+            <a:r>
+              <a:rPr lang="en-GB" sz="1800" dirty="0">
                 <a:latin typeface="+mj-lt"/>
               </a:rPr>
-              <a:t> files to hg19</a:t>
+              <a:t>Filter windows with ES = 0 or LS = 0</a:t>
             </a:r>
           </a:p>
           <a:p>
@@ -9098,19 +6755,7 @@
               <a:rPr lang="en-GB" dirty="0">
                 <a:latin typeface="+mj-lt"/>
               </a:rPr>
-              <a:t>Run </a:t>
-            </a:r>
-            <a:r>
-              <a:rPr lang="en-GB" dirty="0" err="1">
-                <a:latin typeface="+mj-lt"/>
-              </a:rPr>
-              <a:t>samtools</a:t>
-            </a:r>
-            <a:r>
-              <a:rPr lang="en-GB" dirty="0">
-                <a:latin typeface="+mj-lt"/>
-              </a:rPr>
-              <a:t> stats to calculate alignment statistics</a:t>
+              <a:t>Calculate log2-ration as log2(early RPKM / late RPKM)</a:t>
             </a:r>
           </a:p>
           <a:p>
@@ -9122,20 +6767,57 @@
               <a:rPr lang="en-GB" dirty="0">
                 <a:latin typeface="+mj-lt"/>
               </a:rPr>
-              <a:t>Merge multiple bam files if necessary with </a:t>
-            </a:r>
-            <a:r>
-              <a:rPr lang="en-GB" dirty="0" err="1">
+              <a:t>Normalise and smooth log2-ratio</a:t>
+            </a:r>
+          </a:p>
+          <a:p>
+            <a:pPr lvl="1"/>
+            <a:r>
+              <a:rPr lang="en-GB" sz="1800" dirty="0">
                 <a:latin typeface="+mj-lt"/>
               </a:rPr>
-              <a:t>samtools</a:t>
-            </a:r>
-            <a:r>
-              <a:rPr lang="en-GB" dirty="0">
+              <a:t>Quantile normalisation (only include chromosome 1,…,22,X)</a:t>
+            </a:r>
+          </a:p>
+          <a:p>
+            <a:pPr lvl="1"/>
+            <a:r>
+              <a:rPr lang="en-GB" sz="1800" dirty="0">
                 <a:latin typeface="+mj-lt"/>
               </a:rPr>
-              <a:t> merge</a:t>
-            </a:r>
+              <a:t>Loess smoothing with 300kb span</a:t>
+            </a:r>
+          </a:p>
+          <a:p>
+            <a:pPr lvl="1"/>
+            <a:r>
+              <a:rPr lang="en-GB" sz="1800" dirty="0">
+                <a:latin typeface="+mj-lt"/>
+              </a:rPr>
+              <a:t>Exclude bins with abs(diff(</a:t>
+            </a:r>
+            <a:r>
+              <a:rPr lang="en-GB" sz="1800" dirty="0" err="1">
+                <a:latin typeface="+mj-lt"/>
+              </a:rPr>
+              <a:t>qnorm</a:t>
+            </a:r>
+            <a:r>
+              <a:rPr lang="en-GB" sz="1800" dirty="0">
+                <a:latin typeface="+mj-lt"/>
+              </a:rPr>
+              <a:t> – loess)) &gt; 3 </a:t>
+            </a:r>
+            <a:r>
+              <a:rPr lang="en-GB" sz="1800" dirty="0">
+                <a:latin typeface="+mj-lt"/>
+                <a:sym typeface="Wingdings" pitchFamily="2" charset="2"/>
+              </a:rPr>
+              <a:t> smoothing biased by regions without values</a:t>
+            </a:r>
+            <a:endParaRPr lang="en-GB" sz="1800" dirty="0">
+              <a:latin typeface="+mj-lt"/>
+            </a:endParaRPr>
           </a:p>
           <a:p>
             <a:pPr marL="514350" indent="-514350">
@@ -9146,41 +6828,8 @@
               <a:rPr lang="en-GB" dirty="0">
                 <a:latin typeface="+mj-lt"/>
               </a:rPr>
-              <a:t>Filter </a:t>
-            </a:r>
-            <a:r>
-              <a:rPr lang="en-GB" dirty="0" err="1">
-                <a:latin typeface="+mj-lt"/>
-              </a:rPr>
-              <a:t>bams</a:t>
-            </a:r>
-            <a:r>
-              <a:rPr lang="en-GB" dirty="0">
-                <a:latin typeface="+mj-lt"/>
-              </a:rPr>
-              <a:t> by alignment quality </a:t>
-            </a:r>
-            <a:r>
-              <a:rPr lang="en-GB" sz="2000" dirty="0">
-                <a:latin typeface="+mj-lt"/>
-              </a:rPr>
-              <a:t>(exclude reads with mapping quality &lt; 20)</a:t>
-            </a:r>
-            <a:r>
-              <a:rPr lang="en-GB" dirty="0">
-                <a:latin typeface="+mj-lt"/>
-              </a:rPr>
-              <a:t> and sort the </a:t>
-            </a:r>
-            <a:r>
-              <a:rPr lang="en-GB" dirty="0" err="1">
-                <a:latin typeface="+mj-lt"/>
-              </a:rPr>
-              <a:t>bams</a:t>
-            </a:r>
-            <a:endParaRPr lang="en-GB" dirty="0">
-              <a:latin typeface="+mj-lt"/>
-            </a:endParaRPr>
+              <a:t>Identify significant early and late replicated regions with 3% quantile threshold per chromosome</a:t>
+            </a:r>
           </a:p>
           <a:p>
             <a:pPr marL="514350" indent="-514350">
@@ -9191,65 +6840,15 @@
               <a:rPr lang="en-GB" dirty="0">
                 <a:latin typeface="+mj-lt"/>
               </a:rPr>
-              <a:t>Run step 3) again</a:t>
-            </a:r>
-          </a:p>
-          <a:p>
-            <a:pPr marL="514350" indent="-514350">
-              <a:buFont typeface="+mj-lt"/>
-              <a:buAutoNum type="arabicParenR"/>
-            </a:pPr>
-            <a:r>
-              <a:rPr lang="en-GB" dirty="0">
-                <a:latin typeface="+mj-lt"/>
-              </a:rPr>
-              <a:t>Remove duplicated reads with </a:t>
-            </a:r>
-            <a:r>
-              <a:rPr lang="en-GB" dirty="0" err="1">
-                <a:latin typeface="+mj-lt"/>
-              </a:rPr>
-              <a:t>samtools</a:t>
-            </a:r>
-            <a:r>
-              <a:rPr lang="en-GB" dirty="0">
-                <a:latin typeface="+mj-lt"/>
-              </a:rPr>
-              <a:t> </a:t>
-            </a:r>
-            <a:r>
-              <a:rPr lang="en-GB" dirty="0" err="1">
-                <a:latin typeface="+mj-lt"/>
-              </a:rPr>
-              <a:t>rmdup</a:t>
-            </a:r>
-            <a:r>
-              <a:rPr lang="en-GB" dirty="0">
-                <a:latin typeface="+mj-lt"/>
-              </a:rPr>
-              <a:t> and index</a:t>
-            </a:r>
-          </a:p>
-          <a:p>
-            <a:pPr marL="514350" indent="-514350">
-              <a:buFont typeface="+mj-lt"/>
-              <a:buAutoNum type="arabicParenR"/>
-            </a:pPr>
-            <a:endParaRPr lang="en-GB" dirty="0"/>
-          </a:p>
-          <a:p>
-            <a:pPr marL="514350" indent="-514350">
-              <a:buFont typeface="+mj-lt"/>
-              <a:buAutoNum type="arabicParenR"/>
-            </a:pPr>
-            <a:endParaRPr lang="en-GB" dirty="0"/>
+              <a:t>Plotting</a:t>
+            </a:r>
           </a:p>
         </p:txBody>
       </p:sp>
     </p:spTree>
     <p:extLst>
       <p:ext uri="{BB962C8B-B14F-4D97-AF65-F5344CB8AC3E}">
-        <p14:creationId xmlns:p14="http://schemas.microsoft.com/office/powerpoint/2010/main" val="2971136921"/>
+        <p14:creationId xmlns:p14="http://schemas.microsoft.com/office/powerpoint/2010/main" val="2320931466"/>
       </p:ext>
     </p:extLst>
   </p:cSld>
@@ -9281,239 +6880,6 @@
           <p:cNvPr id="2" name="Title 1">
             <a:extLst>
               <a:ext uri="{FF2B5EF4-FFF2-40B4-BE49-F238E27FC236}">
-                <a16:creationId xmlns:a16="http://schemas.microsoft.com/office/drawing/2014/main" id="{7E49D8B6-B1CF-0646-A70F-50562A162B12}"/>
-              </a:ext>
-            </a:extLst>
-          </p:cNvPr>
-          <p:cNvSpPr>
-            <a:spLocks noGrp="1"/>
-          </p:cNvSpPr>
-          <p:nvPr>
-            <p:ph type="title"/>
-          </p:nvPr>
-        </p:nvSpPr>
-        <p:spPr>
-          <a:xfrm>
-            <a:off x="838200" y="18255"/>
-            <a:ext cx="10515600" cy="1325563"/>
-          </a:xfrm>
-        </p:spPr>
-        <p:txBody>
-          <a:bodyPr/>
-          <a:lstStyle/>
-          <a:p>
-            <a:r>
-              <a:rPr lang="en-GB" dirty="0">
-                <a:latin typeface="+mn-lt"/>
-              </a:rPr>
-              <a:t>Log2-Ratio</a:t>
-            </a:r>
-          </a:p>
-        </p:txBody>
-      </p:sp>
-      <p:sp>
-        <p:nvSpPr>
-          <p:cNvPr id="3" name="Content Placeholder 2">
-            <a:extLst>
-              <a:ext uri="{FF2B5EF4-FFF2-40B4-BE49-F238E27FC236}">
-                <a16:creationId xmlns:a16="http://schemas.microsoft.com/office/drawing/2014/main" id="{AEFF9417-FDE1-C34E-99F4-85DBE117DE1E}"/>
-              </a:ext>
-            </a:extLst>
-          </p:cNvPr>
-          <p:cNvSpPr>
-            <a:spLocks noGrp="1"/>
-          </p:cNvSpPr>
-          <p:nvPr>
-            <p:ph idx="1"/>
-          </p:nvPr>
-        </p:nvSpPr>
-        <p:spPr>
-          <a:xfrm>
-            <a:off x="838200" y="1363503"/>
-            <a:ext cx="10515600" cy="5476242"/>
-          </a:xfrm>
-        </p:spPr>
-        <p:txBody>
-          <a:bodyPr>
-            <a:normAutofit/>
-          </a:bodyPr>
-          <a:lstStyle/>
-          <a:p>
-            <a:pPr marL="514350" indent="-514350">
-              <a:buFont typeface="+mj-lt"/>
-              <a:buAutoNum type="arabicParenR"/>
-            </a:pPr>
-            <a:r>
-              <a:rPr lang="en-GB" dirty="0">
-                <a:latin typeface="+mj-lt"/>
-              </a:rPr>
-              <a:t>Calculate RPKM values in 1000bp / 50kb windows</a:t>
-            </a:r>
-          </a:p>
-          <a:p>
-            <a:pPr marL="514350" indent="-514350">
-              <a:buFont typeface="+mj-lt"/>
-              <a:buAutoNum type="arabicParenR"/>
-            </a:pPr>
-            <a:r>
-              <a:rPr lang="en-GB" dirty="0">
-                <a:latin typeface="+mj-lt"/>
-              </a:rPr>
-              <a:t>Filter low coverage and high outlier windows</a:t>
-            </a:r>
-          </a:p>
-          <a:p>
-            <a:pPr lvl="1"/>
-            <a:r>
-              <a:rPr lang="en-GB" sz="1800" dirty="0">
-                <a:latin typeface="+mj-lt"/>
-              </a:rPr>
-              <a:t>Filter windows with a sum RPKM value across timings (G1, ES, LS) &lt; 0.1</a:t>
-            </a:r>
-          </a:p>
-          <a:p>
-            <a:pPr lvl="1"/>
-            <a:r>
-              <a:rPr lang="en-GB" sz="1800" dirty="0">
-                <a:latin typeface="+mj-lt"/>
-              </a:rPr>
-              <a:t>Filter windows with ES = 0 or LS = 0</a:t>
-            </a:r>
-          </a:p>
-          <a:p>
-            <a:pPr marL="514350" indent="-514350">
-              <a:buFont typeface="+mj-lt"/>
-              <a:buAutoNum type="arabicParenR"/>
-            </a:pPr>
-            <a:r>
-              <a:rPr lang="en-GB" dirty="0">
-                <a:latin typeface="+mj-lt"/>
-              </a:rPr>
-              <a:t>Calculate log2-ration as log2(early RPKM / late RPKM)</a:t>
-            </a:r>
-          </a:p>
-          <a:p>
-            <a:pPr marL="514350" indent="-514350">
-              <a:buFont typeface="+mj-lt"/>
-              <a:buAutoNum type="arabicParenR"/>
-            </a:pPr>
-            <a:r>
-              <a:rPr lang="en-GB" dirty="0">
-                <a:latin typeface="+mj-lt"/>
-              </a:rPr>
-              <a:t>Normalise and smooth log2-ratio</a:t>
-            </a:r>
-          </a:p>
-          <a:p>
-            <a:pPr lvl="1"/>
-            <a:r>
-              <a:rPr lang="en-GB" sz="1800" dirty="0">
-                <a:latin typeface="+mj-lt"/>
-              </a:rPr>
-              <a:t>Quantile normalisation (only include chromosome 1,…,22,X)</a:t>
-            </a:r>
-          </a:p>
-          <a:p>
-            <a:pPr lvl="1"/>
-            <a:r>
-              <a:rPr lang="en-GB" sz="1800" dirty="0">
-                <a:latin typeface="+mj-lt"/>
-              </a:rPr>
-              <a:t>Loess smoothing with 300kb span</a:t>
-            </a:r>
-          </a:p>
-          <a:p>
-            <a:pPr lvl="1"/>
-            <a:r>
-              <a:rPr lang="en-GB" sz="1800" dirty="0">
-                <a:latin typeface="+mj-lt"/>
-              </a:rPr>
-              <a:t>Exclude bins with abs(diff(</a:t>
-            </a:r>
-            <a:r>
-              <a:rPr lang="en-GB" sz="1800" dirty="0" err="1">
-                <a:latin typeface="+mj-lt"/>
-              </a:rPr>
-              <a:t>qnorm</a:t>
-            </a:r>
-            <a:r>
-              <a:rPr lang="en-GB" sz="1800" dirty="0">
-                <a:latin typeface="+mj-lt"/>
-              </a:rPr>
-              <a:t> – loess)) &gt; 3 </a:t>
-            </a:r>
-            <a:r>
-              <a:rPr lang="en-GB" sz="1800" dirty="0">
-                <a:latin typeface="+mj-lt"/>
-                <a:sym typeface="Wingdings" pitchFamily="2" charset="2"/>
-              </a:rPr>
-              <a:t> smoothing biased by regions without values</a:t>
-            </a:r>
-            <a:endParaRPr lang="en-GB" sz="1800" dirty="0">
-              <a:latin typeface="+mj-lt"/>
-            </a:endParaRPr>
-          </a:p>
-          <a:p>
-            <a:pPr marL="514350" indent="-514350">
-              <a:buFont typeface="+mj-lt"/>
-              <a:buAutoNum type="arabicParenR"/>
-            </a:pPr>
-            <a:r>
-              <a:rPr lang="en-GB" dirty="0">
-                <a:latin typeface="+mj-lt"/>
-              </a:rPr>
-              <a:t>Identify significant early and late replicated regions with 3% quantile threshold per chromosome</a:t>
-            </a:r>
-          </a:p>
-          <a:p>
-            <a:pPr marL="514350" indent="-514350">
-              <a:buFont typeface="+mj-lt"/>
-              <a:buAutoNum type="arabicParenR"/>
-            </a:pPr>
-            <a:r>
-              <a:rPr lang="en-GB" dirty="0">
-                <a:latin typeface="+mj-lt"/>
-              </a:rPr>
-              <a:t>Plotting</a:t>
-            </a:r>
-          </a:p>
-        </p:txBody>
-      </p:sp>
-    </p:spTree>
-    <p:extLst>
-      <p:ext uri="{BB962C8B-B14F-4D97-AF65-F5344CB8AC3E}">
-        <p14:creationId xmlns:p14="http://schemas.microsoft.com/office/powerpoint/2010/main" val="2320931466"/>
-      </p:ext>
-    </p:extLst>
-  </p:cSld>
-  <p:clrMapOvr>
-    <a:masterClrMapping/>
-  </p:clrMapOvr>
-</p:sld>
-</file>
-
-<file path=ppt/slides/slide5.xml><?xml version="1.0" encoding="utf-8"?>
-<p:sld xmlns:a="http://schemas.openxmlformats.org/drawingml/2006/main" xmlns:r="http://schemas.openxmlformats.org/officeDocument/2006/relationships" xmlns:p="http://schemas.openxmlformats.org/presentationml/2006/main">
-  <p:cSld>
-    <p:spTree>
-      <p:nvGrpSpPr>
-        <p:cNvPr id="1" name=""/>
-        <p:cNvGrpSpPr/>
-        <p:nvPr/>
-      </p:nvGrpSpPr>
-      <p:grpSpPr>
-        <a:xfrm>
-          <a:off x="0" y="0"/>
-          <a:ext cx="0" cy="0"/>
-          <a:chOff x="0" y="0"/>
-          <a:chExt cx="0" cy="0"/>
-        </a:xfrm>
-      </p:grpSpPr>
-      <p:sp>
-        <p:nvSpPr>
-          <p:cNvPr id="2" name="Title 1">
-            <a:extLst>
-              <a:ext uri="{FF2B5EF4-FFF2-40B4-BE49-F238E27FC236}">
                 <a16:creationId xmlns:a16="http://schemas.microsoft.com/office/drawing/2014/main" id="{B000D5B0-A13D-3B4F-A87E-5A398A0FD92A}"/>
               </a:ext>
             </a:extLst>
@@ -9655,7 +7021,7 @@
 </p:sld>
 </file>
 
-<file path=ppt/slides/slide6.xml><?xml version="1.0" encoding="utf-8"?>
+<file path=ppt/slides/slide5.xml><?xml version="1.0" encoding="utf-8"?>
 <p:sld xmlns:a="http://schemas.openxmlformats.org/drawingml/2006/main" xmlns:r="http://schemas.openxmlformats.org/officeDocument/2006/relationships" xmlns:p="http://schemas.openxmlformats.org/presentationml/2006/main">
   <p:cSld>
     <p:spTree>
